--- a/docs/ENGI301_project_02_Garlepp.pptx
+++ b/docs/ENGI301_project_02_Garlepp.pptx
@@ -14,7 +14,7 @@
     <p:sldId id="261" r:id="rId2"/>
     <p:sldId id="367" r:id="rId3"/>
     <p:sldId id="592" r:id="rId4"/>
-    <p:sldId id="648" r:id="rId5"/>
+    <p:sldId id="649" r:id="rId5"/>
   </p:sldIdLst>
   <p:sldSz cx="12192000" cy="6858000"/>
   <p:notesSz cx="6858000" cy="9144000"/>
@@ -217,7 +217,7 @@
           <a:p>
             <a:fld id="{59041DB8-B66F-4DC8-A96E-33677E0F90FF}" type="datetimeFigureOut">
               <a:rPr lang="en-US" smtClean="0"/>
-              <a:t>12/3/22</a:t>
+              <a:t>12/9/22</a:t>
             </a:fld>
             <a:endParaRPr lang="en-US"/>
           </a:p>
@@ -382,7 +382,7 @@
           <a:p>
             <a:fld id="{DEB49C4A-65AC-492D-9701-81B46C3AD0E4}" type="datetimeFigureOut">
               <a:rPr lang="en-US" smtClean="0"/>
-              <a:t>12/3/22</a:t>
+              <a:t>12/9/22</a:t>
             </a:fld>
             <a:endParaRPr lang="en-US"/>
           </a:p>
@@ -723,7 +723,7 @@
     </p:spTree>
     <p:extLst>
       <p:ext uri="{BB962C8B-B14F-4D97-AF65-F5344CB8AC3E}">
-        <p14:creationId xmlns:p14="http://schemas.microsoft.com/office/powerpoint/2010/main" val="3179936066"/>
+        <p14:creationId xmlns:p14="http://schemas.microsoft.com/office/powerpoint/2010/main" val="3126535825"/>
       </p:ext>
     </p:extLst>
   </p:cSld>
@@ -2874,7 +2874,7 @@
           <a:p>
             <a:fld id="{384A29A4-78C8-47AB-BA06-22CB45938951}" type="datetime1">
               <a:rPr lang="en-US" smtClean="0"/>
-              <a:t>12/3/22</a:t>
+              <a:t>12/9/22</a:t>
             </a:fld>
             <a:endParaRPr lang="en-US"/>
           </a:p>
@@ -3069,7 +3069,7 @@
           <a:p>
             <a:fld id="{E1ED4ACF-2D82-46F2-A8E9-23963AA34E86}" type="datetime1">
               <a:rPr lang="en-US" smtClean="0"/>
-              <a:t>12/3/22</a:t>
+              <a:t>12/9/22</a:t>
             </a:fld>
             <a:endParaRPr lang="en-US"/>
           </a:p>
@@ -3263,7 +3263,7 @@
           <a:p>
             <a:fld id="{AE374B5B-21A0-4192-BF4C-38187F1A68D8}" type="datetime1">
               <a:rPr lang="en-US" smtClean="0"/>
-              <a:t>12/3/22</a:t>
+              <a:t>12/9/22</a:t>
             </a:fld>
             <a:endParaRPr lang="en-US"/>
           </a:p>
@@ -5604,7 +5604,7 @@
           <a:p>
             <a:fld id="{33B5CF7C-B333-48E1-A4A6-83A3C8B73AC0}" type="datetime1">
               <a:rPr lang="en-US" smtClean="0"/>
-              <a:t>12/3/22</a:t>
+              <a:t>12/9/22</a:t>
             </a:fld>
             <a:endParaRPr lang="en-US"/>
           </a:p>
@@ -6057,7 +6057,7 @@
           <a:p>
             <a:fld id="{AE320762-5CBF-4210-AB54-376B091119F8}" type="datetime1">
               <a:rPr lang="en-US" smtClean="0"/>
-              <a:t>12/3/22</a:t>
+              <a:t>12/9/22</a:t>
             </a:fld>
             <a:endParaRPr lang="en-US"/>
           </a:p>
@@ -6189,7 +6189,7 @@
           <a:p>
             <a:fld id="{7F0DB371-BF5F-4058-A212-1A908E4D2674}" type="datetime1">
               <a:rPr lang="en-US" smtClean="0"/>
-              <a:t>12/3/22</a:t>
+              <a:t>12/9/22</a:t>
             </a:fld>
             <a:endParaRPr lang="en-US"/>
           </a:p>
@@ -8122,7 +8122,7 @@
           <a:p>
             <a:fld id="{60A4083B-90AA-48CF-BAD5-00AA24D7F288}" type="datetime1">
               <a:rPr lang="en-US" smtClean="0"/>
-              <a:t>12/3/22</a:t>
+              <a:t>12/9/22</a:t>
             </a:fld>
             <a:endParaRPr lang="en-US"/>
           </a:p>
@@ -10381,7 +10381,7 @@
             <a:fld id="{F5BAF629-ECA2-4CF3-B790-9D9BDED98269}" type="datetime1">
               <a:rPr lang="en-US" smtClean="0"/>
               <a:pPr/>
-              <a:t>12/3/22</a:t>
+              <a:t>12/9/22</a:t>
             </a:fld>
             <a:endParaRPr lang="en-US"/>
           </a:p>
@@ -14676,7 +14676,7 @@
             <a:fld id="{B51B2453-8663-4C69-AF73-9FD7B1DEC5D0}" type="datetime1">
               <a:rPr lang="en-US" smtClean="0"/>
               <a:pPr/>
-              <a:t>12/3/22</a:t>
+              <a:t>12/9/22</a:t>
             </a:fld>
             <a:endParaRPr lang="en-US" dirty="0"/>
           </a:p>
@@ -15195,7 +15195,7 @@
           <a:p>
             <a:r>
               <a:rPr lang="en-US" dirty="0"/>
-              <a:t>&lt;Name&gt;</a:t>
+              <a:t>Vanessa Garlepp</a:t>
             </a:r>
           </a:p>
           <a:p>
@@ -15204,7 +15204,7 @@
           <a:p>
             <a:r>
               <a:rPr lang="en-US" dirty="0"/>
-              <a:t>Due 12/13/2022 @ 11:59pm</a:t>
+              <a:t>12/13/2022, 11:59pm</a:t>
             </a:r>
           </a:p>
         </p:txBody>
@@ -21989,12 +21989,41 @@
           </a:p>
         </p:txBody>
       </p:sp>
+      <p:pic>
+        <p:nvPicPr>
+          <p:cNvPr id="8" name="Picture 7">
+            <a:extLst>
+              <a:ext uri="{FF2B5EF4-FFF2-40B4-BE49-F238E27FC236}">
+                <a16:creationId xmlns:a16="http://schemas.microsoft.com/office/drawing/2014/main" id="{53EC4857-1099-C8FC-ED2A-D5FEED567B49}"/>
+              </a:ext>
+            </a:extLst>
+          </p:cNvPr>
+          <p:cNvPicPr>
+            <a:picLocks noChangeAspect="1"/>
+          </p:cNvPicPr>
+          <p:nvPr/>
+        </p:nvPicPr>
+        <p:blipFill rotWithShape="1">
+          <a:blip r:embed="rId3"/>
+          <a:srcRect l="25937" t="10556" r="26667" b="10000"/>
+          <a:stretch/>
+        </p:blipFill>
+        <p:spPr>
+          <a:xfrm rot="16200000">
+            <a:off x="3434086" y="-2357113"/>
+            <a:ext cx="5092700" cy="11203927"/>
+          </a:xfrm>
+          <a:prstGeom prst="rect">
+            <a:avLst/>
+          </a:prstGeom>
+        </p:spPr>
+      </p:pic>
       <p:sp>
         <p:nvSpPr>
-          <p:cNvPr id="25" name="TextBox 24">
+          <p:cNvPr id="10" name="TextBox 9">
             <a:extLst>
               <a:ext uri="{FF2B5EF4-FFF2-40B4-BE49-F238E27FC236}">
-                <a16:creationId xmlns:a16="http://schemas.microsoft.com/office/drawing/2014/main" id="{0A3A45F3-BFA3-4D55-A8FE-B5142100AC62}"/>
+                <a16:creationId xmlns:a16="http://schemas.microsoft.com/office/drawing/2014/main" id="{1C72ECDC-539C-A2FD-5BC1-05FBFC5829F4}"/>
               </a:ext>
             </a:extLst>
           </p:cNvPr>
@@ -22003,8 +22032,8 @@
         </p:nvSpPr>
         <p:spPr>
           <a:xfrm>
-            <a:off x="3341077" y="5073134"/>
-            <a:ext cx="979755" cy="369332"/>
+            <a:off x="2658566" y="1888552"/>
+            <a:ext cx="2295525" cy="292388"/>
           </a:xfrm>
           <a:prstGeom prst="rect">
             <a:avLst/>
@@ -22012,24 +22041,29 @@
           <a:noFill/>
         </p:spPr>
         <p:txBody>
-          <a:bodyPr wrap="none" rtlCol="0">
+          <a:bodyPr wrap="square">
             <a:spAutoFit/>
           </a:bodyPr>
           <a:lstStyle/>
           <a:p>
+            <a:pPr algn="ctr"/>
             <a:r>
-              <a:rPr lang="en-US" dirty="0"/>
-              <a:t>FRONT</a:t>
+              <a:rPr lang="en-US" sz="1300" dirty="0">
+                <a:solidFill>
+                  <a:schemeClr val="tx1"/>
+                </a:solidFill>
+              </a:rPr>
+              <a:t>SPI Display</a:t>
             </a:r>
           </a:p>
         </p:txBody>
       </p:sp>
       <p:sp>
         <p:nvSpPr>
-          <p:cNvPr id="36" name="TextBox 35">
+          <p:cNvPr id="11" name="TextBox 10">
             <a:extLst>
               <a:ext uri="{FF2B5EF4-FFF2-40B4-BE49-F238E27FC236}">
-                <a16:creationId xmlns:a16="http://schemas.microsoft.com/office/drawing/2014/main" id="{9F471EFC-E8D5-48D9-82C4-2134548FBF50}"/>
+                <a16:creationId xmlns:a16="http://schemas.microsoft.com/office/drawing/2014/main" id="{43100B53-E46A-46A6-7F7B-54E60237B5BF}"/>
               </a:ext>
             </a:extLst>
           </p:cNvPr>
@@ -22038,8 +22072,8 @@
         </p:nvSpPr>
         <p:spPr>
           <a:xfrm>
-            <a:off x="8984061" y="5065572"/>
-            <a:ext cx="813043" cy="369332"/>
+            <a:off x="2676889" y="3699934"/>
+            <a:ext cx="2295525" cy="307777"/>
           </a:xfrm>
           <a:prstGeom prst="rect">
             <a:avLst/>
@@ -22047,248 +22081,34 @@
           <a:noFill/>
         </p:spPr>
         <p:txBody>
-          <a:bodyPr wrap="none" rtlCol="0">
+          <a:bodyPr wrap="square">
             <a:spAutoFit/>
           </a:bodyPr>
           <a:lstStyle/>
           <a:p>
+            <a:pPr algn="ctr"/>
             <a:r>
-              <a:rPr lang="en-US" dirty="0"/>
-              <a:t>BACK</a:t>
+              <a:rPr lang="en-US" sz="1400" dirty="0" err="1">
+                <a:solidFill>
+                  <a:schemeClr val="tx1"/>
+                </a:solidFill>
+              </a:rPr>
+              <a:t>Pocketbeagle</a:t>
             </a:r>
+            <a:endParaRPr lang="en-US" sz="1400" dirty="0">
+              <a:solidFill>
+                <a:schemeClr val="tx1"/>
+              </a:solidFill>
+            </a:endParaRPr>
           </a:p>
         </p:txBody>
       </p:sp>
       <p:sp>
         <p:nvSpPr>
-          <p:cNvPr id="43" name="Rectangle 42">
+          <p:cNvPr id="12" name="TextBox 11">
             <a:extLst>
               <a:ext uri="{FF2B5EF4-FFF2-40B4-BE49-F238E27FC236}">
-                <a16:creationId xmlns:a16="http://schemas.microsoft.com/office/drawing/2014/main" id="{8142A5EA-8680-7188-823F-FF2630A0EEE8}"/>
-              </a:ext>
-            </a:extLst>
-          </p:cNvPr>
-          <p:cNvSpPr/>
-          <p:nvPr/>
-        </p:nvSpPr>
-        <p:spPr>
-          <a:xfrm>
-            <a:off x="1524000" y="1305403"/>
-            <a:ext cx="4572000" cy="3657600"/>
-          </a:xfrm>
-          <a:prstGeom prst="rect">
-            <a:avLst/>
-          </a:prstGeom>
-          <a:noFill/>
-          <a:ln w="38100">
-            <a:solidFill>
-              <a:schemeClr val="tx1"/>
-            </a:solidFill>
-          </a:ln>
-        </p:spPr>
-        <p:style>
-          <a:lnRef idx="2">
-            <a:schemeClr val="accent1">
-              <a:shade val="50000"/>
-            </a:schemeClr>
-          </a:lnRef>
-          <a:fillRef idx="1">
-            <a:schemeClr val="accent1"/>
-          </a:fillRef>
-          <a:effectRef idx="0">
-            <a:schemeClr val="accent1"/>
-          </a:effectRef>
-          <a:fontRef idx="minor">
-            <a:schemeClr val="lt1"/>
-          </a:fontRef>
-        </p:style>
-        <p:txBody>
-          <a:bodyPr rtlCol="0" anchor="ctr"/>
-          <a:lstStyle/>
-          <a:p>
-            <a:pPr algn="ctr"/>
-            <a:endParaRPr lang="en-US" i="1" dirty="0"/>
-          </a:p>
-        </p:txBody>
-      </p:sp>
-      <p:cxnSp>
-        <p:nvCxnSpPr>
-          <p:cNvPr id="44" name="Straight Connector 43">
-            <a:extLst>
-              <a:ext uri="{FF2B5EF4-FFF2-40B4-BE49-F238E27FC236}">
-                <a16:creationId xmlns:a16="http://schemas.microsoft.com/office/drawing/2014/main" id="{CDB27D67-A2B4-6642-DF94-1307FDFD265F}"/>
-              </a:ext>
-            </a:extLst>
-          </p:cNvPr>
-          <p:cNvCxnSpPr>
-            <a:cxnSpLocks/>
-          </p:cNvCxnSpPr>
-          <p:nvPr/>
-        </p:nvCxnSpPr>
-        <p:spPr>
-          <a:xfrm>
-            <a:off x="1524000" y="1076803"/>
-            <a:ext cx="1828800" cy="0"/>
-          </a:xfrm>
-          <a:prstGeom prst="line">
-            <a:avLst/>
-          </a:prstGeom>
-          <a:ln w="12700">
-            <a:solidFill>
-              <a:schemeClr val="tx1"/>
-            </a:solidFill>
-            <a:headEnd type="triangle"/>
-          </a:ln>
-        </p:spPr>
-        <p:style>
-          <a:lnRef idx="1">
-            <a:schemeClr val="accent1"/>
-          </a:lnRef>
-          <a:fillRef idx="0">
-            <a:schemeClr val="accent1"/>
-          </a:fillRef>
-          <a:effectRef idx="0">
-            <a:schemeClr val="accent1"/>
-          </a:effectRef>
-          <a:fontRef idx="minor">
-            <a:schemeClr val="tx1"/>
-          </a:fontRef>
-        </p:style>
-      </p:cxnSp>
-      <p:cxnSp>
-        <p:nvCxnSpPr>
-          <p:cNvPr id="45" name="Straight Connector 44">
-            <a:extLst>
-              <a:ext uri="{FF2B5EF4-FFF2-40B4-BE49-F238E27FC236}">
-                <a16:creationId xmlns:a16="http://schemas.microsoft.com/office/drawing/2014/main" id="{48C7FBBE-7BEA-894C-559A-D19DD762B974}"/>
-              </a:ext>
-            </a:extLst>
-          </p:cNvPr>
-          <p:cNvCxnSpPr>
-            <a:cxnSpLocks/>
-          </p:cNvCxnSpPr>
-          <p:nvPr/>
-        </p:nvCxnSpPr>
-        <p:spPr>
-          <a:xfrm>
-            <a:off x="4267200" y="1076803"/>
-            <a:ext cx="1828800" cy="0"/>
-          </a:xfrm>
-          <a:prstGeom prst="line">
-            <a:avLst/>
-          </a:prstGeom>
-          <a:ln w="12700">
-            <a:solidFill>
-              <a:schemeClr val="tx1"/>
-            </a:solidFill>
-            <a:tailEnd type="triangle"/>
-          </a:ln>
-        </p:spPr>
-        <p:style>
-          <a:lnRef idx="1">
-            <a:schemeClr val="accent1"/>
-          </a:lnRef>
-          <a:fillRef idx="0">
-            <a:schemeClr val="accent1"/>
-          </a:fillRef>
-          <a:effectRef idx="0">
-            <a:schemeClr val="accent1"/>
-          </a:effectRef>
-          <a:fontRef idx="minor">
-            <a:schemeClr val="tx1"/>
-          </a:fontRef>
-        </p:style>
-      </p:cxnSp>
-      <p:cxnSp>
-        <p:nvCxnSpPr>
-          <p:cNvPr id="46" name="Straight Connector 45">
-            <a:extLst>
-              <a:ext uri="{FF2B5EF4-FFF2-40B4-BE49-F238E27FC236}">
-                <a16:creationId xmlns:a16="http://schemas.microsoft.com/office/drawing/2014/main" id="{A68C9433-F659-F5A9-8E55-E7381EFDEF12}"/>
-              </a:ext>
-            </a:extLst>
-          </p:cNvPr>
-          <p:cNvCxnSpPr/>
-          <p:nvPr/>
-        </p:nvCxnSpPr>
-        <p:spPr>
-          <a:xfrm>
-            <a:off x="6096000" y="1000603"/>
-            <a:ext cx="0" cy="152400"/>
-          </a:xfrm>
-          <a:prstGeom prst="line">
-            <a:avLst/>
-          </a:prstGeom>
-          <a:ln w="12700">
-            <a:solidFill>
-              <a:schemeClr val="tx1"/>
-            </a:solidFill>
-          </a:ln>
-        </p:spPr>
-        <p:style>
-          <a:lnRef idx="1">
-            <a:schemeClr val="accent1"/>
-          </a:lnRef>
-          <a:fillRef idx="0">
-            <a:schemeClr val="accent1"/>
-          </a:fillRef>
-          <a:effectRef idx="0">
-            <a:schemeClr val="accent1"/>
-          </a:effectRef>
-          <a:fontRef idx="minor">
-            <a:schemeClr val="tx1"/>
-          </a:fontRef>
-        </p:style>
-      </p:cxnSp>
-      <p:cxnSp>
-        <p:nvCxnSpPr>
-          <p:cNvPr id="47" name="Straight Connector 46">
-            <a:extLst>
-              <a:ext uri="{FF2B5EF4-FFF2-40B4-BE49-F238E27FC236}">
-                <a16:creationId xmlns:a16="http://schemas.microsoft.com/office/drawing/2014/main" id="{9DCFF6B1-72E4-3348-6D1B-AB6218089E74}"/>
-              </a:ext>
-            </a:extLst>
-          </p:cNvPr>
-          <p:cNvCxnSpPr>
-            <a:cxnSpLocks/>
-          </p:cNvCxnSpPr>
-          <p:nvPr/>
-        </p:nvCxnSpPr>
-        <p:spPr>
-          <a:xfrm>
-            <a:off x="1524000" y="1000603"/>
-            <a:ext cx="0" cy="152400"/>
-          </a:xfrm>
-          <a:prstGeom prst="line">
-            <a:avLst/>
-          </a:prstGeom>
-          <a:ln w="12700">
-            <a:solidFill>
-              <a:schemeClr val="tx1"/>
-            </a:solidFill>
-          </a:ln>
-        </p:spPr>
-        <p:style>
-          <a:lnRef idx="1">
-            <a:schemeClr val="accent1"/>
-          </a:lnRef>
-          <a:fillRef idx="0">
-            <a:schemeClr val="accent1"/>
-          </a:fillRef>
-          <a:effectRef idx="0">
-            <a:schemeClr val="accent1"/>
-          </a:effectRef>
-          <a:fontRef idx="minor">
-            <a:schemeClr val="tx1"/>
-          </a:fontRef>
-        </p:style>
-      </p:cxnSp>
-      <p:sp>
-        <p:nvSpPr>
-          <p:cNvPr id="48" name="TextBox 47">
-            <a:extLst>
-              <a:ext uri="{FF2B5EF4-FFF2-40B4-BE49-F238E27FC236}">
-                <a16:creationId xmlns:a16="http://schemas.microsoft.com/office/drawing/2014/main" id="{23B27F4E-9D5E-6E13-97E9-D8E213EA2D9A}"/>
+                <a16:creationId xmlns:a16="http://schemas.microsoft.com/office/drawing/2014/main" id="{83C660DB-5B0E-0CE2-07CC-11B2FFB85584}"/>
               </a:ext>
             </a:extLst>
           </p:cNvPr>
@@ -22297,8 +22117,8 @@
         </p:nvSpPr>
         <p:spPr>
           <a:xfrm>
-            <a:off x="3657600" y="924403"/>
-            <a:ext cx="389850" cy="369332"/>
+            <a:off x="1676400" y="4610100"/>
+            <a:ext cx="609600" cy="246221"/>
           </a:xfrm>
           <a:prstGeom prst="rect">
             <a:avLst/>
@@ -22306,155 +22126,29 @@
           <a:noFill/>
         </p:spPr>
         <p:txBody>
-          <a:bodyPr wrap="none" rtlCol="0">
+          <a:bodyPr wrap="square">
             <a:spAutoFit/>
           </a:bodyPr>
           <a:lstStyle/>
           <a:p>
+            <a:pPr algn="ctr"/>
             <a:r>
-              <a:rPr lang="en-US" dirty="0"/>
-              <a:t>5”</a:t>
+              <a:rPr lang="en-US" sz="1000" dirty="0">
+                <a:solidFill>
+                  <a:schemeClr val="tx1"/>
+                </a:solidFill>
+              </a:rPr>
+              <a:t>Pot</a:t>
             </a:r>
           </a:p>
         </p:txBody>
       </p:sp>
-      <p:cxnSp>
-        <p:nvCxnSpPr>
-          <p:cNvPr id="49" name="Straight Connector 48">
+      <p:sp>
+        <p:nvSpPr>
+          <p:cNvPr id="13" name="TextBox 12">
             <a:extLst>
               <a:ext uri="{FF2B5EF4-FFF2-40B4-BE49-F238E27FC236}">
-                <a16:creationId xmlns:a16="http://schemas.microsoft.com/office/drawing/2014/main" id="{5C0CC2C7-BE9C-51FE-34A9-55A97F91F5EA}"/>
-              </a:ext>
-            </a:extLst>
-          </p:cNvPr>
-          <p:cNvCxnSpPr>
-            <a:cxnSpLocks/>
-          </p:cNvCxnSpPr>
-          <p:nvPr/>
-        </p:nvCxnSpPr>
-        <p:spPr>
-          <a:xfrm>
-            <a:off x="6324600" y="1305403"/>
-            <a:ext cx="0" cy="1295400"/>
-          </a:xfrm>
-          <a:prstGeom prst="line">
-            <a:avLst/>
-          </a:prstGeom>
-          <a:ln w="12700">
-            <a:solidFill>
-              <a:schemeClr val="tx1"/>
-            </a:solidFill>
-            <a:headEnd type="triangle"/>
-          </a:ln>
-        </p:spPr>
-        <p:style>
-          <a:lnRef idx="1">
-            <a:schemeClr val="accent1"/>
-          </a:lnRef>
-          <a:fillRef idx="0">
-            <a:schemeClr val="accent1"/>
-          </a:fillRef>
-          <a:effectRef idx="0">
-            <a:schemeClr val="accent1"/>
-          </a:effectRef>
-          <a:fontRef idx="minor">
-            <a:schemeClr val="tx1"/>
-          </a:fontRef>
-        </p:style>
-      </p:cxnSp>
-      <p:cxnSp>
-        <p:nvCxnSpPr>
-          <p:cNvPr id="50" name="Straight Connector 49">
-            <a:extLst>
-              <a:ext uri="{FF2B5EF4-FFF2-40B4-BE49-F238E27FC236}">
-                <a16:creationId xmlns:a16="http://schemas.microsoft.com/office/drawing/2014/main" id="{05D80223-2FC4-6576-913A-09D150632A34}"/>
-              </a:ext>
-            </a:extLst>
-          </p:cNvPr>
-          <p:cNvCxnSpPr>
-            <a:cxnSpLocks/>
-          </p:cNvCxnSpPr>
-          <p:nvPr/>
-        </p:nvCxnSpPr>
-        <p:spPr>
-          <a:xfrm>
-            <a:off x="6248400" y="1305403"/>
-            <a:ext cx="152400" cy="0"/>
-          </a:xfrm>
-          <a:prstGeom prst="line">
-            <a:avLst/>
-          </a:prstGeom>
-          <a:ln w="12700">
-            <a:solidFill>
-              <a:schemeClr val="tx1"/>
-            </a:solidFill>
-          </a:ln>
-        </p:spPr>
-        <p:style>
-          <a:lnRef idx="1">
-            <a:schemeClr val="accent1"/>
-          </a:lnRef>
-          <a:fillRef idx="0">
-            <a:schemeClr val="accent1"/>
-          </a:fillRef>
-          <a:effectRef idx="0">
-            <a:schemeClr val="accent1"/>
-          </a:effectRef>
-          <a:fontRef idx="minor">
-            <a:schemeClr val="tx1"/>
-          </a:fontRef>
-        </p:style>
-      </p:cxnSp>
-      <p:cxnSp>
-        <p:nvCxnSpPr>
-          <p:cNvPr id="51" name="Straight Connector 50">
-            <a:extLst>
-              <a:ext uri="{FF2B5EF4-FFF2-40B4-BE49-F238E27FC236}">
-                <a16:creationId xmlns:a16="http://schemas.microsoft.com/office/drawing/2014/main" id="{A8EEF71A-CB3F-0EC8-7BE6-293CF96EA5B2}"/>
-              </a:ext>
-            </a:extLst>
-          </p:cNvPr>
-          <p:cNvCxnSpPr>
-            <a:cxnSpLocks/>
-          </p:cNvCxnSpPr>
-          <p:nvPr/>
-        </p:nvCxnSpPr>
-        <p:spPr>
-          <a:xfrm flipV="1">
-            <a:off x="6324600" y="3684725"/>
-            <a:ext cx="0" cy="1295400"/>
-          </a:xfrm>
-          <a:prstGeom prst="line">
-            <a:avLst/>
-          </a:prstGeom>
-          <a:ln w="12700">
-            <a:solidFill>
-              <a:schemeClr val="tx1"/>
-            </a:solidFill>
-            <a:headEnd type="triangle"/>
-          </a:ln>
-        </p:spPr>
-        <p:style>
-          <a:lnRef idx="1">
-            <a:schemeClr val="accent1"/>
-          </a:lnRef>
-          <a:fillRef idx="0">
-            <a:schemeClr val="accent1"/>
-          </a:fillRef>
-          <a:effectRef idx="0">
-            <a:schemeClr val="accent1"/>
-          </a:effectRef>
-          <a:fontRef idx="minor">
-            <a:schemeClr val="tx1"/>
-          </a:fontRef>
-        </p:style>
-      </p:cxnSp>
-      <p:sp>
-        <p:nvSpPr>
-          <p:cNvPr id="52" name="TextBox 51">
-            <a:extLst>
-              <a:ext uri="{FF2B5EF4-FFF2-40B4-BE49-F238E27FC236}">
-                <a16:creationId xmlns:a16="http://schemas.microsoft.com/office/drawing/2014/main" id="{8B360555-B95A-58ED-33C8-1D953882A827}"/>
+                <a16:creationId xmlns:a16="http://schemas.microsoft.com/office/drawing/2014/main" id="{D8B212D0-85E4-541A-6BE0-4CD1D7DC0480}"/>
               </a:ext>
             </a:extLst>
           </p:cNvPr>
@@ -22463,8 +22157,8 @@
         </p:nvSpPr>
         <p:spPr>
           <a:xfrm>
-            <a:off x="6167974" y="2958098"/>
-            <a:ext cx="389850" cy="369332"/>
+            <a:off x="2667000" y="4610100"/>
+            <a:ext cx="609600" cy="246221"/>
           </a:xfrm>
           <a:prstGeom prst="rect">
             <a:avLst/>
@@ -22472,302 +22166,29 @@
           <a:noFill/>
         </p:spPr>
         <p:txBody>
-          <a:bodyPr wrap="none" rtlCol="0">
+          <a:bodyPr wrap="square">
             <a:spAutoFit/>
           </a:bodyPr>
           <a:lstStyle/>
           <a:p>
+            <a:pPr algn="ctr"/>
             <a:r>
-              <a:rPr lang="en-US" dirty="0"/>
-              <a:t>4”</a:t>
+              <a:rPr lang="en-US" sz="1000" dirty="0">
+                <a:solidFill>
+                  <a:schemeClr val="tx1"/>
+                </a:solidFill>
+              </a:rPr>
+              <a:t>Button</a:t>
             </a:r>
           </a:p>
         </p:txBody>
       </p:sp>
       <p:sp>
         <p:nvSpPr>
-          <p:cNvPr id="58" name="Rectangle 57">
+          <p:cNvPr id="14" name="TextBox 13">
             <a:extLst>
               <a:ext uri="{FF2B5EF4-FFF2-40B4-BE49-F238E27FC236}">
-                <a16:creationId xmlns:a16="http://schemas.microsoft.com/office/drawing/2014/main" id="{AC31CE88-39A4-8561-A948-340F4D4C1619}"/>
-              </a:ext>
-            </a:extLst>
-          </p:cNvPr>
-          <p:cNvSpPr/>
-          <p:nvPr/>
-        </p:nvSpPr>
-        <p:spPr>
-          <a:xfrm>
-            <a:off x="5575952" y="1687285"/>
-            <a:ext cx="304800" cy="152400"/>
-          </a:xfrm>
-          <a:prstGeom prst="rect">
-            <a:avLst/>
-          </a:prstGeom>
-          <a:solidFill>
-            <a:srgbClr val="FF0000"/>
-          </a:solidFill>
-          <a:ln w="28575">
-            <a:solidFill>
-              <a:schemeClr val="tx1"/>
-            </a:solidFill>
-          </a:ln>
-        </p:spPr>
-        <p:style>
-          <a:lnRef idx="2">
-            <a:schemeClr val="accent1">
-              <a:shade val="50000"/>
-            </a:schemeClr>
-          </a:lnRef>
-          <a:fillRef idx="1">
-            <a:schemeClr val="accent1"/>
-          </a:fillRef>
-          <a:effectRef idx="0">
-            <a:schemeClr val="accent1"/>
-          </a:effectRef>
-          <a:fontRef idx="minor">
-            <a:schemeClr val="lt1"/>
-          </a:fontRef>
-        </p:style>
-        <p:txBody>
-          <a:bodyPr rtlCol="0" anchor="ctr"/>
-          <a:lstStyle/>
-          <a:p>
-            <a:pPr algn="ctr"/>
-            <a:endParaRPr lang="en-US"/>
-          </a:p>
-        </p:txBody>
-      </p:sp>
-      <p:sp>
-        <p:nvSpPr>
-          <p:cNvPr id="59" name="Rectangle 58">
-            <a:extLst>
-              <a:ext uri="{FF2B5EF4-FFF2-40B4-BE49-F238E27FC236}">
-                <a16:creationId xmlns:a16="http://schemas.microsoft.com/office/drawing/2014/main" id="{3EEA0F3B-E574-F302-0514-140929FA2490}"/>
-              </a:ext>
-            </a:extLst>
-          </p:cNvPr>
-          <p:cNvSpPr/>
-          <p:nvPr/>
-        </p:nvSpPr>
-        <p:spPr>
-          <a:xfrm>
-            <a:off x="5568290" y="2155987"/>
-            <a:ext cx="304800" cy="152400"/>
-          </a:xfrm>
-          <a:prstGeom prst="rect">
-            <a:avLst/>
-          </a:prstGeom>
-          <a:solidFill>
-            <a:srgbClr val="00B050"/>
-          </a:solidFill>
-          <a:ln w="28575">
-            <a:solidFill>
-              <a:schemeClr val="tx1"/>
-            </a:solidFill>
-          </a:ln>
-        </p:spPr>
-        <p:style>
-          <a:lnRef idx="2">
-            <a:schemeClr val="accent1">
-              <a:shade val="50000"/>
-            </a:schemeClr>
-          </a:lnRef>
-          <a:fillRef idx="1">
-            <a:schemeClr val="accent1"/>
-          </a:fillRef>
-          <a:effectRef idx="0">
-            <a:schemeClr val="accent1"/>
-          </a:effectRef>
-          <a:fontRef idx="minor">
-            <a:schemeClr val="lt1"/>
-          </a:fontRef>
-        </p:style>
-        <p:txBody>
-          <a:bodyPr rtlCol="0" anchor="ctr"/>
-          <a:lstStyle/>
-          <a:p>
-            <a:pPr algn="ctr"/>
-            <a:endParaRPr lang="en-US"/>
-          </a:p>
-        </p:txBody>
-      </p:sp>
-      <p:sp>
-        <p:nvSpPr>
-          <p:cNvPr id="60" name="Rectangle 59">
-            <a:extLst>
-              <a:ext uri="{FF2B5EF4-FFF2-40B4-BE49-F238E27FC236}">
-                <a16:creationId xmlns:a16="http://schemas.microsoft.com/office/drawing/2014/main" id="{DE82874E-5208-72B2-8A30-1E6B7A6C7F08}"/>
-              </a:ext>
-            </a:extLst>
-          </p:cNvPr>
-          <p:cNvSpPr/>
-          <p:nvPr/>
-        </p:nvSpPr>
-        <p:spPr>
-          <a:xfrm>
-            <a:off x="1771329" y="1490069"/>
-            <a:ext cx="2743200" cy="2057400"/>
-          </a:xfrm>
-          <a:prstGeom prst="rect">
-            <a:avLst/>
-          </a:prstGeom>
-          <a:solidFill>
-            <a:srgbClr val="9074B6"/>
-          </a:solidFill>
-          <a:ln w="28575">
-            <a:solidFill>
-              <a:schemeClr val="tx1"/>
-            </a:solidFill>
-          </a:ln>
-        </p:spPr>
-        <p:style>
-          <a:lnRef idx="2">
-            <a:schemeClr val="accent1">
-              <a:shade val="50000"/>
-            </a:schemeClr>
-          </a:lnRef>
-          <a:fillRef idx="1">
-            <a:schemeClr val="accent1"/>
-          </a:fillRef>
-          <a:effectRef idx="0">
-            <a:schemeClr val="accent1"/>
-          </a:effectRef>
-          <a:fontRef idx="minor">
-            <a:schemeClr val="lt1"/>
-          </a:fontRef>
-        </p:style>
-        <p:txBody>
-          <a:bodyPr rtlCol="0" anchor="ctr"/>
-          <a:lstStyle/>
-          <a:p>
-            <a:pPr algn="ctr"/>
-            <a:r>
-              <a:rPr lang="en-US" dirty="0"/>
-              <a:t>SPI Display</a:t>
-            </a:r>
-          </a:p>
-        </p:txBody>
-      </p:sp>
-      <p:sp>
-        <p:nvSpPr>
-          <p:cNvPr id="61" name="Rectangle 60">
-            <a:extLst>
-              <a:ext uri="{FF2B5EF4-FFF2-40B4-BE49-F238E27FC236}">
-                <a16:creationId xmlns:a16="http://schemas.microsoft.com/office/drawing/2014/main" id="{AFDC30BF-636F-5F44-3044-E2D2D3A1D543}"/>
-              </a:ext>
-            </a:extLst>
-          </p:cNvPr>
-          <p:cNvSpPr/>
-          <p:nvPr/>
-        </p:nvSpPr>
-        <p:spPr>
-          <a:xfrm>
-            <a:off x="8791264" y="2370648"/>
-            <a:ext cx="2011680" cy="1280160"/>
-          </a:xfrm>
-          <a:prstGeom prst="rect">
-            <a:avLst/>
-          </a:prstGeom>
-          <a:solidFill>
-            <a:srgbClr val="9074B6"/>
-          </a:solidFill>
-          <a:ln w="28575">
-            <a:solidFill>
-              <a:schemeClr val="tx1"/>
-            </a:solidFill>
-          </a:ln>
-        </p:spPr>
-        <p:style>
-          <a:lnRef idx="2">
-            <a:schemeClr val="accent1">
-              <a:shade val="50000"/>
-            </a:schemeClr>
-          </a:lnRef>
-          <a:fillRef idx="1">
-            <a:schemeClr val="accent1"/>
-          </a:fillRef>
-          <a:effectRef idx="0">
-            <a:schemeClr val="accent1"/>
-          </a:effectRef>
-          <a:fontRef idx="minor">
-            <a:schemeClr val="lt1"/>
-          </a:fontRef>
-        </p:style>
-        <p:txBody>
-          <a:bodyPr rtlCol="0" anchor="ctr"/>
-          <a:lstStyle/>
-          <a:p>
-            <a:r>
-              <a:rPr lang="en-US" dirty="0"/>
-              <a:t>Pocket Beagle</a:t>
-            </a:r>
-          </a:p>
-        </p:txBody>
-      </p:sp>
-      <p:sp>
-        <p:nvSpPr>
-          <p:cNvPr id="62" name="Rectangle 61">
-            <a:extLst>
-              <a:ext uri="{FF2B5EF4-FFF2-40B4-BE49-F238E27FC236}">
-                <a16:creationId xmlns:a16="http://schemas.microsoft.com/office/drawing/2014/main" id="{3EDE4D1E-69F6-87ED-CD79-F421A1D94EC9}"/>
-              </a:ext>
-            </a:extLst>
-          </p:cNvPr>
-          <p:cNvSpPr/>
-          <p:nvPr/>
-        </p:nvSpPr>
-        <p:spPr>
-          <a:xfrm>
-            <a:off x="1774746" y="3880069"/>
-            <a:ext cx="609600" cy="609600"/>
-          </a:xfrm>
-          <a:prstGeom prst="rect">
-            <a:avLst/>
-          </a:prstGeom>
-          <a:solidFill>
-            <a:srgbClr val="9074B6"/>
-          </a:solidFill>
-          <a:ln w="28575">
-            <a:solidFill>
-              <a:schemeClr val="tx1"/>
-            </a:solidFill>
-          </a:ln>
-        </p:spPr>
-        <p:style>
-          <a:lnRef idx="2">
-            <a:schemeClr val="accent1">
-              <a:shade val="50000"/>
-            </a:schemeClr>
-          </a:lnRef>
-          <a:fillRef idx="1">
-            <a:schemeClr val="accent1"/>
-          </a:fillRef>
-          <a:effectRef idx="0">
-            <a:schemeClr val="accent1"/>
-          </a:effectRef>
-          <a:fontRef idx="minor">
-            <a:schemeClr val="lt1"/>
-          </a:fontRef>
-        </p:style>
-        <p:txBody>
-          <a:bodyPr rtlCol="0" anchor="ctr"/>
-          <a:lstStyle/>
-          <a:p>
-            <a:pPr algn="ctr"/>
-            <a:r>
-              <a:rPr lang="en-US" dirty="0"/>
-              <a:t>Pot</a:t>
-            </a:r>
-          </a:p>
-        </p:txBody>
-      </p:sp>
-      <p:sp>
-        <p:nvSpPr>
-          <p:cNvPr id="64" name="TextBox 63">
-            <a:extLst>
-              <a:ext uri="{FF2B5EF4-FFF2-40B4-BE49-F238E27FC236}">
-                <a16:creationId xmlns:a16="http://schemas.microsoft.com/office/drawing/2014/main" id="{AD98739B-0183-ACB9-1997-A3BA581E1478}"/>
+                <a16:creationId xmlns:a16="http://schemas.microsoft.com/office/drawing/2014/main" id="{E13B8B75-A270-BC17-F5B7-89A0F16AF5BE}"/>
               </a:ext>
             </a:extLst>
           </p:cNvPr>
@@ -22776,8 +22197,8 @@
         </p:nvSpPr>
         <p:spPr>
           <a:xfrm>
-            <a:off x="5423552" y="1306285"/>
-            <a:ext cx="453970" cy="369332"/>
+            <a:off x="5143500" y="4610100"/>
+            <a:ext cx="609600" cy="246221"/>
           </a:xfrm>
           <a:prstGeom prst="rect">
             <a:avLst/>
@@ -22785,482 +22206,29 @@
           <a:noFill/>
         </p:spPr>
         <p:txBody>
-          <a:bodyPr wrap="none" rtlCol="0">
+          <a:bodyPr wrap="square">
             <a:spAutoFit/>
           </a:bodyPr>
           <a:lstStyle/>
           <a:p>
+            <a:pPr algn="ctr"/>
             <a:r>
-              <a:rPr lang="en-US" dirty="0"/>
-              <a:t>.5”</a:t>
-            </a:r>
-          </a:p>
-        </p:txBody>
-      </p:sp>
-      <p:cxnSp>
-        <p:nvCxnSpPr>
-          <p:cNvPr id="65" name="Straight Connector 64">
-            <a:extLst>
-              <a:ext uri="{FF2B5EF4-FFF2-40B4-BE49-F238E27FC236}">
-                <a16:creationId xmlns:a16="http://schemas.microsoft.com/office/drawing/2014/main" id="{B9564DB4-CC51-1AF3-CC3A-B6A8A990FDF1}"/>
-              </a:ext>
-            </a:extLst>
-          </p:cNvPr>
-          <p:cNvCxnSpPr>
-            <a:cxnSpLocks/>
-          </p:cNvCxnSpPr>
-          <p:nvPr/>
-        </p:nvCxnSpPr>
-        <p:spPr>
-          <a:xfrm>
-            <a:off x="6248400" y="4980125"/>
-            <a:ext cx="152400" cy="0"/>
-          </a:xfrm>
-          <a:prstGeom prst="line">
-            <a:avLst/>
-          </a:prstGeom>
-          <a:ln w="12700">
-            <a:solidFill>
-              <a:schemeClr val="tx1"/>
-            </a:solidFill>
-          </a:ln>
-        </p:spPr>
-        <p:style>
-          <a:lnRef idx="1">
-            <a:schemeClr val="accent1"/>
-          </a:lnRef>
-          <a:fillRef idx="0">
-            <a:schemeClr val="accent1"/>
-          </a:fillRef>
-          <a:effectRef idx="0">
-            <a:schemeClr val="accent1"/>
-          </a:effectRef>
-          <a:fontRef idx="minor">
-            <a:schemeClr val="tx1"/>
-          </a:fontRef>
-        </p:style>
-      </p:cxnSp>
-      <p:cxnSp>
-        <p:nvCxnSpPr>
-          <p:cNvPr id="70" name="Straight Connector 69">
-            <a:extLst>
-              <a:ext uri="{FF2B5EF4-FFF2-40B4-BE49-F238E27FC236}">
-                <a16:creationId xmlns:a16="http://schemas.microsoft.com/office/drawing/2014/main" id="{05EE63C5-144A-F8EE-64C0-5A34FDED33DB}"/>
-              </a:ext>
-            </a:extLst>
-          </p:cNvPr>
-          <p:cNvCxnSpPr>
-            <a:cxnSpLocks/>
-          </p:cNvCxnSpPr>
-          <p:nvPr/>
-        </p:nvCxnSpPr>
-        <p:spPr>
-          <a:xfrm>
-            <a:off x="5350582" y="1763485"/>
-            <a:ext cx="152400" cy="0"/>
-          </a:xfrm>
-          <a:prstGeom prst="line">
-            <a:avLst/>
-          </a:prstGeom>
-          <a:ln w="12700">
-            <a:solidFill>
-              <a:schemeClr val="tx1"/>
-            </a:solidFill>
-          </a:ln>
-        </p:spPr>
-        <p:style>
-          <a:lnRef idx="1">
-            <a:schemeClr val="accent1"/>
-          </a:lnRef>
-          <a:fillRef idx="0">
-            <a:schemeClr val="accent1"/>
-          </a:fillRef>
-          <a:effectRef idx="0">
-            <a:schemeClr val="accent1"/>
-          </a:effectRef>
-          <a:fontRef idx="minor">
-            <a:schemeClr val="tx1"/>
-          </a:fontRef>
-        </p:style>
-      </p:cxnSp>
-      <p:cxnSp>
-        <p:nvCxnSpPr>
-          <p:cNvPr id="73" name="Straight Connector 72">
-            <a:extLst>
-              <a:ext uri="{FF2B5EF4-FFF2-40B4-BE49-F238E27FC236}">
-                <a16:creationId xmlns:a16="http://schemas.microsoft.com/office/drawing/2014/main" id="{AAC62118-3D9F-1C00-ADF4-3E64D3352722}"/>
-              </a:ext>
-            </a:extLst>
-          </p:cNvPr>
-          <p:cNvCxnSpPr>
-            <a:cxnSpLocks/>
-          </p:cNvCxnSpPr>
-          <p:nvPr/>
-        </p:nvCxnSpPr>
-        <p:spPr>
-          <a:xfrm>
-            <a:off x="5347352" y="1763485"/>
-            <a:ext cx="152400" cy="0"/>
-          </a:xfrm>
-          <a:prstGeom prst="line">
-            <a:avLst/>
-          </a:prstGeom>
-          <a:ln w="12700">
-            <a:solidFill>
-              <a:schemeClr val="tx1"/>
-            </a:solidFill>
-          </a:ln>
-        </p:spPr>
-        <p:style>
-          <a:lnRef idx="1">
-            <a:schemeClr val="accent1"/>
-          </a:lnRef>
-          <a:fillRef idx="0">
-            <a:schemeClr val="accent1"/>
-          </a:fillRef>
-          <a:effectRef idx="0">
-            <a:schemeClr val="accent1"/>
-          </a:effectRef>
-          <a:fontRef idx="minor">
-            <a:schemeClr val="tx1"/>
-          </a:fontRef>
-        </p:style>
-      </p:cxnSp>
-      <p:cxnSp>
-        <p:nvCxnSpPr>
-          <p:cNvPr id="74" name="Straight Connector 73">
-            <a:extLst>
-              <a:ext uri="{FF2B5EF4-FFF2-40B4-BE49-F238E27FC236}">
-                <a16:creationId xmlns:a16="http://schemas.microsoft.com/office/drawing/2014/main" id="{D1F90E4F-F989-DC35-28F2-01DB0BA9EDD4}"/>
-              </a:ext>
-            </a:extLst>
-          </p:cNvPr>
-          <p:cNvCxnSpPr>
-            <a:cxnSpLocks/>
-          </p:cNvCxnSpPr>
-          <p:nvPr/>
-        </p:nvCxnSpPr>
-        <p:spPr>
-          <a:xfrm>
-            <a:off x="5350582" y="1763485"/>
-            <a:ext cx="152400" cy="0"/>
-          </a:xfrm>
-          <a:prstGeom prst="line">
-            <a:avLst/>
-          </a:prstGeom>
-          <a:ln w="12700">
-            <a:solidFill>
-              <a:schemeClr val="tx1"/>
-            </a:solidFill>
-          </a:ln>
-        </p:spPr>
-        <p:style>
-          <a:lnRef idx="1">
-            <a:schemeClr val="accent1"/>
-          </a:lnRef>
-          <a:fillRef idx="0">
-            <a:schemeClr val="accent1"/>
-          </a:fillRef>
-          <a:effectRef idx="0">
-            <a:schemeClr val="accent1"/>
-          </a:effectRef>
-          <a:fontRef idx="minor">
-            <a:schemeClr val="tx1"/>
-          </a:fontRef>
-        </p:style>
-      </p:cxnSp>
-      <p:cxnSp>
-        <p:nvCxnSpPr>
-          <p:cNvPr id="75" name="Straight Connector 74">
-            <a:extLst>
-              <a:ext uri="{FF2B5EF4-FFF2-40B4-BE49-F238E27FC236}">
-                <a16:creationId xmlns:a16="http://schemas.microsoft.com/office/drawing/2014/main" id="{A61FBEE6-F8E1-445E-1769-CC06A7C2560E}"/>
-              </a:ext>
-            </a:extLst>
-          </p:cNvPr>
-          <p:cNvCxnSpPr>
-            <a:cxnSpLocks/>
-          </p:cNvCxnSpPr>
-          <p:nvPr/>
-        </p:nvCxnSpPr>
-        <p:spPr>
-          <a:xfrm>
-            <a:off x="5423552" y="1306285"/>
-            <a:ext cx="0" cy="152400"/>
-          </a:xfrm>
-          <a:prstGeom prst="line">
-            <a:avLst/>
-          </a:prstGeom>
-          <a:ln w="12700">
-            <a:solidFill>
-              <a:schemeClr val="tx1"/>
-            </a:solidFill>
-            <a:headEnd type="triangle"/>
-          </a:ln>
-        </p:spPr>
-        <p:style>
-          <a:lnRef idx="1">
-            <a:schemeClr val="accent1"/>
-          </a:lnRef>
-          <a:fillRef idx="0">
-            <a:schemeClr val="accent1"/>
-          </a:fillRef>
-          <a:effectRef idx="0">
-            <a:schemeClr val="accent1"/>
-          </a:effectRef>
-          <a:fontRef idx="minor">
-            <a:schemeClr val="tx1"/>
-          </a:fontRef>
-        </p:style>
-      </p:cxnSp>
-      <p:cxnSp>
-        <p:nvCxnSpPr>
-          <p:cNvPr id="76" name="Straight Connector 75">
-            <a:extLst>
-              <a:ext uri="{FF2B5EF4-FFF2-40B4-BE49-F238E27FC236}">
-                <a16:creationId xmlns:a16="http://schemas.microsoft.com/office/drawing/2014/main" id="{10CD29D4-5952-C0E4-035C-00AA7A33692E}"/>
-              </a:ext>
-            </a:extLst>
-          </p:cNvPr>
-          <p:cNvCxnSpPr>
-            <a:cxnSpLocks/>
-          </p:cNvCxnSpPr>
-          <p:nvPr/>
-        </p:nvCxnSpPr>
-        <p:spPr>
-          <a:xfrm flipV="1">
-            <a:off x="5426782" y="1611085"/>
-            <a:ext cx="0" cy="152400"/>
-          </a:xfrm>
-          <a:prstGeom prst="line">
-            <a:avLst/>
-          </a:prstGeom>
-          <a:ln w="12700">
-            <a:solidFill>
-              <a:schemeClr val="tx1"/>
-            </a:solidFill>
-            <a:headEnd type="triangle"/>
-          </a:ln>
-        </p:spPr>
-        <p:style>
-          <a:lnRef idx="1">
-            <a:schemeClr val="accent1"/>
-          </a:lnRef>
-          <a:fillRef idx="0">
-            <a:schemeClr val="accent1"/>
-          </a:fillRef>
-          <a:effectRef idx="0">
-            <a:schemeClr val="accent1"/>
-          </a:effectRef>
-          <a:fontRef idx="minor">
-            <a:schemeClr val="tx1"/>
-          </a:fontRef>
-        </p:style>
-      </p:cxnSp>
-      <p:sp>
-        <p:nvSpPr>
-          <p:cNvPr id="77" name="Rectangle 76">
-            <a:extLst>
-              <a:ext uri="{FF2B5EF4-FFF2-40B4-BE49-F238E27FC236}">
-                <a16:creationId xmlns:a16="http://schemas.microsoft.com/office/drawing/2014/main" id="{A0C8B804-7B73-7BFB-D8FC-4DF1450853E0}"/>
-              </a:ext>
-            </a:extLst>
-          </p:cNvPr>
-          <p:cNvSpPr/>
-          <p:nvPr/>
-        </p:nvSpPr>
-        <p:spPr>
-          <a:xfrm>
-            <a:off x="6839272" y="1293735"/>
-            <a:ext cx="4565722" cy="3647507"/>
-          </a:xfrm>
-          <a:prstGeom prst="rect">
-            <a:avLst/>
-          </a:prstGeom>
-          <a:noFill/>
-          <a:ln w="38100">
-            <a:solidFill>
-              <a:schemeClr val="tx1"/>
-            </a:solidFill>
-          </a:ln>
-        </p:spPr>
-        <p:style>
-          <a:lnRef idx="2">
-            <a:schemeClr val="accent1">
-              <a:shade val="50000"/>
-            </a:schemeClr>
-          </a:lnRef>
-          <a:fillRef idx="1">
-            <a:schemeClr val="accent1"/>
-          </a:fillRef>
-          <a:effectRef idx="0">
-            <a:schemeClr val="accent1"/>
-          </a:effectRef>
-          <a:fontRef idx="minor">
-            <a:schemeClr val="lt1"/>
-          </a:fontRef>
-        </p:style>
-        <p:txBody>
-          <a:bodyPr rtlCol="0" anchor="ctr"/>
-          <a:lstStyle/>
-          <a:p>
-            <a:pPr algn="ctr"/>
-            <a:endParaRPr lang="en-US" i="1" dirty="0"/>
-          </a:p>
-        </p:txBody>
-      </p:sp>
-      <p:sp>
-        <p:nvSpPr>
-          <p:cNvPr id="78" name="TextBox 77">
-            <a:extLst>
-              <a:ext uri="{FF2B5EF4-FFF2-40B4-BE49-F238E27FC236}">
-                <a16:creationId xmlns:a16="http://schemas.microsoft.com/office/drawing/2014/main" id="{A6C2D1CE-7967-BAF5-C09D-A6CA732B7B43}"/>
-              </a:ext>
-            </a:extLst>
-          </p:cNvPr>
-          <p:cNvSpPr txBox="1"/>
-          <p:nvPr/>
-        </p:nvSpPr>
-        <p:spPr>
-          <a:xfrm rot="16200000">
-            <a:off x="10288701" y="2883996"/>
-            <a:ext cx="659155" cy="369332"/>
-          </a:xfrm>
-          <a:prstGeom prst="rect">
-            <a:avLst/>
-          </a:prstGeom>
-          <a:noFill/>
-        </p:spPr>
-        <p:txBody>
-          <a:bodyPr wrap="none" rtlCol="0">
-            <a:spAutoFit/>
-          </a:bodyPr>
-          <a:lstStyle/>
-          <a:p>
-            <a:r>
-              <a:rPr lang="en-US" dirty="0"/>
-              <a:t>USB</a:t>
+              <a:rPr lang="en-US" sz="1000" dirty="0">
+                <a:solidFill>
+                  <a:schemeClr val="tx1"/>
+                </a:solidFill>
+              </a:rPr>
+              <a:t>Pot</a:t>
             </a:r>
           </a:p>
         </p:txBody>
       </p:sp>
       <p:sp>
         <p:nvSpPr>
-          <p:cNvPr id="82" name="Rectangle 81">
+          <p:cNvPr id="15" name="TextBox 14">
             <a:extLst>
               <a:ext uri="{FF2B5EF4-FFF2-40B4-BE49-F238E27FC236}">
-                <a16:creationId xmlns:a16="http://schemas.microsoft.com/office/drawing/2014/main" id="{66C513B4-4288-60A7-2A19-915E80F50F99}"/>
-              </a:ext>
-            </a:extLst>
-          </p:cNvPr>
-          <p:cNvSpPr/>
-          <p:nvPr/>
-        </p:nvSpPr>
-        <p:spPr>
-          <a:xfrm>
-            <a:off x="5568290" y="2608126"/>
-            <a:ext cx="304800" cy="152400"/>
-          </a:xfrm>
-          <a:prstGeom prst="rect">
-            <a:avLst/>
-          </a:prstGeom>
-          <a:solidFill>
-            <a:srgbClr val="0070C0"/>
-          </a:solidFill>
-          <a:ln w="28575">
-            <a:solidFill>
-              <a:schemeClr val="tx1"/>
-            </a:solidFill>
-          </a:ln>
-        </p:spPr>
-        <p:style>
-          <a:lnRef idx="2">
-            <a:schemeClr val="accent1">
-              <a:shade val="50000"/>
-            </a:schemeClr>
-          </a:lnRef>
-          <a:fillRef idx="1">
-            <a:schemeClr val="accent1"/>
-          </a:fillRef>
-          <a:effectRef idx="0">
-            <a:schemeClr val="accent1"/>
-          </a:effectRef>
-          <a:fontRef idx="minor">
-            <a:schemeClr val="lt1"/>
-          </a:fontRef>
-        </p:style>
-        <p:txBody>
-          <a:bodyPr rtlCol="0" anchor="ctr"/>
-          <a:lstStyle/>
-          <a:p>
-            <a:pPr algn="ctr"/>
-            <a:endParaRPr lang="en-US"/>
-          </a:p>
-        </p:txBody>
-      </p:sp>
-      <p:sp>
-        <p:nvSpPr>
-          <p:cNvPr id="102" name="Rectangle 101">
-            <a:extLst>
-              <a:ext uri="{FF2B5EF4-FFF2-40B4-BE49-F238E27FC236}">
-                <a16:creationId xmlns:a16="http://schemas.microsoft.com/office/drawing/2014/main" id="{C20BD695-2215-096D-AA03-3370CB29F07E}"/>
-              </a:ext>
-            </a:extLst>
-          </p:cNvPr>
-          <p:cNvSpPr/>
-          <p:nvPr/>
-        </p:nvSpPr>
-        <p:spPr>
-          <a:xfrm>
-            <a:off x="3106522" y="4061504"/>
-            <a:ext cx="429768" cy="429768"/>
-          </a:xfrm>
-          <a:prstGeom prst="rect">
-            <a:avLst/>
-          </a:prstGeom>
-          <a:solidFill>
-            <a:srgbClr val="9074B6"/>
-          </a:solidFill>
-          <a:ln w="28575">
-            <a:solidFill>
-              <a:schemeClr val="tx1"/>
-            </a:solidFill>
-          </a:ln>
-        </p:spPr>
-        <p:style>
-          <a:lnRef idx="2">
-            <a:schemeClr val="accent1">
-              <a:shade val="50000"/>
-            </a:schemeClr>
-          </a:lnRef>
-          <a:fillRef idx="1">
-            <a:schemeClr val="accent1"/>
-          </a:fillRef>
-          <a:effectRef idx="0">
-            <a:schemeClr val="accent1"/>
-          </a:effectRef>
-          <a:fontRef idx="minor">
-            <a:schemeClr val="lt1"/>
-          </a:fontRef>
-        </p:style>
-        <p:txBody>
-          <a:bodyPr rtlCol="0" anchor="ctr"/>
-          <a:lstStyle/>
-          <a:p>
-            <a:pPr algn="ctr"/>
-            <a:r>
-              <a:rPr lang="en-US" sz="600" dirty="0"/>
-              <a:t>Button</a:t>
-            </a:r>
-          </a:p>
-        </p:txBody>
-      </p:sp>
-      <p:sp>
-        <p:nvSpPr>
-          <p:cNvPr id="104" name="TextBox 103">
-            <a:extLst>
-              <a:ext uri="{FF2B5EF4-FFF2-40B4-BE49-F238E27FC236}">
-                <a16:creationId xmlns:a16="http://schemas.microsoft.com/office/drawing/2014/main" id="{C3D8390F-2276-E21C-5A70-976D17D692A4}"/>
+                <a16:creationId xmlns:a16="http://schemas.microsoft.com/office/drawing/2014/main" id="{913E5819-25FC-EB13-38E5-85DF17608779}"/>
               </a:ext>
             </a:extLst>
           </p:cNvPr>
@@ -23269,8 +22237,8 @@
         </p:nvSpPr>
         <p:spPr>
           <a:xfrm>
-            <a:off x="1816989" y="4495503"/>
-            <a:ext cx="710451" cy="369332"/>
+            <a:off x="4191000" y="4622457"/>
+            <a:ext cx="609600" cy="246221"/>
           </a:xfrm>
           <a:prstGeom prst="rect">
             <a:avLst/>
@@ -23278,298 +22246,29 @@
           <a:noFill/>
         </p:spPr>
         <p:txBody>
-          <a:bodyPr wrap="none" rtlCol="0">
+          <a:bodyPr wrap="square">
             <a:spAutoFit/>
           </a:bodyPr>
           <a:lstStyle/>
           <a:p>
-            <a:r>
-              <a:rPr lang="en-US" dirty="0"/>
-              <a:t>1.00”</a:t>
-            </a:r>
-          </a:p>
-        </p:txBody>
-      </p:sp>
-      <p:cxnSp>
-        <p:nvCxnSpPr>
-          <p:cNvPr id="105" name="Straight Connector 104">
-            <a:extLst>
-              <a:ext uri="{FF2B5EF4-FFF2-40B4-BE49-F238E27FC236}">
-                <a16:creationId xmlns:a16="http://schemas.microsoft.com/office/drawing/2014/main" id="{01C1EA08-BBF0-CF8C-9093-3D30A7C242F0}"/>
-              </a:ext>
-            </a:extLst>
-          </p:cNvPr>
-          <p:cNvCxnSpPr>
-            <a:cxnSpLocks/>
-          </p:cNvCxnSpPr>
-          <p:nvPr/>
-        </p:nvCxnSpPr>
-        <p:spPr>
-          <a:xfrm>
-            <a:off x="1744019" y="4952703"/>
-            <a:ext cx="152400" cy="0"/>
-          </a:xfrm>
-          <a:prstGeom prst="line">
-            <a:avLst/>
-          </a:prstGeom>
-          <a:ln w="12700">
-            <a:solidFill>
-              <a:schemeClr val="tx1"/>
-            </a:solidFill>
-          </a:ln>
-        </p:spPr>
-        <p:style>
-          <a:lnRef idx="1">
-            <a:schemeClr val="accent1"/>
-          </a:lnRef>
-          <a:fillRef idx="0">
-            <a:schemeClr val="accent1"/>
-          </a:fillRef>
-          <a:effectRef idx="0">
-            <a:schemeClr val="accent1"/>
-          </a:effectRef>
-          <a:fontRef idx="minor">
-            <a:schemeClr val="tx1"/>
-          </a:fontRef>
-        </p:style>
-      </p:cxnSp>
-      <p:cxnSp>
-        <p:nvCxnSpPr>
-          <p:cNvPr id="106" name="Straight Connector 105">
-            <a:extLst>
-              <a:ext uri="{FF2B5EF4-FFF2-40B4-BE49-F238E27FC236}">
-                <a16:creationId xmlns:a16="http://schemas.microsoft.com/office/drawing/2014/main" id="{AE272AF9-96D0-E397-0FB7-DD40E9756D43}"/>
-              </a:ext>
-            </a:extLst>
-          </p:cNvPr>
-          <p:cNvCxnSpPr>
-            <a:cxnSpLocks/>
-          </p:cNvCxnSpPr>
-          <p:nvPr/>
-        </p:nvCxnSpPr>
-        <p:spPr>
-          <a:xfrm>
-            <a:off x="1740789" y="4952703"/>
-            <a:ext cx="152400" cy="0"/>
-          </a:xfrm>
-          <a:prstGeom prst="line">
-            <a:avLst/>
-          </a:prstGeom>
-          <a:ln w="12700">
-            <a:solidFill>
-              <a:schemeClr val="tx1"/>
-            </a:solidFill>
-          </a:ln>
-        </p:spPr>
-        <p:style>
-          <a:lnRef idx="1">
-            <a:schemeClr val="accent1"/>
-          </a:lnRef>
-          <a:fillRef idx="0">
-            <a:schemeClr val="accent1"/>
-          </a:fillRef>
-          <a:effectRef idx="0">
-            <a:schemeClr val="accent1"/>
-          </a:effectRef>
-          <a:fontRef idx="minor">
-            <a:schemeClr val="tx1"/>
-          </a:fontRef>
-        </p:style>
-      </p:cxnSp>
-      <p:cxnSp>
-        <p:nvCxnSpPr>
-          <p:cNvPr id="107" name="Straight Connector 106">
-            <a:extLst>
-              <a:ext uri="{FF2B5EF4-FFF2-40B4-BE49-F238E27FC236}">
-                <a16:creationId xmlns:a16="http://schemas.microsoft.com/office/drawing/2014/main" id="{5DD31CC1-4521-37CB-3C9D-4DFB92510CF0}"/>
-              </a:ext>
-            </a:extLst>
-          </p:cNvPr>
-          <p:cNvCxnSpPr>
-            <a:cxnSpLocks/>
-          </p:cNvCxnSpPr>
-          <p:nvPr/>
-        </p:nvCxnSpPr>
-        <p:spPr>
-          <a:xfrm>
-            <a:off x="1744019" y="4952703"/>
-            <a:ext cx="152400" cy="0"/>
-          </a:xfrm>
-          <a:prstGeom prst="line">
-            <a:avLst/>
-          </a:prstGeom>
-          <a:ln w="12700">
-            <a:solidFill>
-              <a:schemeClr val="tx1"/>
-            </a:solidFill>
-          </a:ln>
-        </p:spPr>
-        <p:style>
-          <a:lnRef idx="1">
-            <a:schemeClr val="accent1"/>
-          </a:lnRef>
-          <a:fillRef idx="0">
-            <a:schemeClr val="accent1"/>
-          </a:fillRef>
-          <a:effectRef idx="0">
-            <a:schemeClr val="accent1"/>
-          </a:effectRef>
-          <a:fontRef idx="minor">
-            <a:schemeClr val="tx1"/>
-          </a:fontRef>
-        </p:style>
-      </p:cxnSp>
-      <p:cxnSp>
-        <p:nvCxnSpPr>
-          <p:cNvPr id="108" name="Straight Connector 107">
-            <a:extLst>
-              <a:ext uri="{FF2B5EF4-FFF2-40B4-BE49-F238E27FC236}">
-                <a16:creationId xmlns:a16="http://schemas.microsoft.com/office/drawing/2014/main" id="{90C69CF2-E408-90D3-336F-1865A31758B7}"/>
-              </a:ext>
-            </a:extLst>
-          </p:cNvPr>
-          <p:cNvCxnSpPr>
-            <a:cxnSpLocks/>
-          </p:cNvCxnSpPr>
-          <p:nvPr/>
-        </p:nvCxnSpPr>
-        <p:spPr>
-          <a:xfrm>
-            <a:off x="1816989" y="4495503"/>
-            <a:ext cx="0" cy="152400"/>
-          </a:xfrm>
-          <a:prstGeom prst="line">
-            <a:avLst/>
-          </a:prstGeom>
-          <a:ln w="12700">
-            <a:solidFill>
-              <a:schemeClr val="tx1"/>
-            </a:solidFill>
-            <a:headEnd type="triangle"/>
-          </a:ln>
-        </p:spPr>
-        <p:style>
-          <a:lnRef idx="1">
-            <a:schemeClr val="accent1"/>
-          </a:lnRef>
-          <a:fillRef idx="0">
-            <a:schemeClr val="accent1"/>
-          </a:fillRef>
-          <a:effectRef idx="0">
-            <a:schemeClr val="accent1"/>
-          </a:effectRef>
-          <a:fontRef idx="minor">
-            <a:schemeClr val="tx1"/>
-          </a:fontRef>
-        </p:style>
-      </p:cxnSp>
-      <p:cxnSp>
-        <p:nvCxnSpPr>
-          <p:cNvPr id="109" name="Straight Connector 108">
-            <a:extLst>
-              <a:ext uri="{FF2B5EF4-FFF2-40B4-BE49-F238E27FC236}">
-                <a16:creationId xmlns:a16="http://schemas.microsoft.com/office/drawing/2014/main" id="{651963F8-BA77-9B98-7EE9-D7E56BC59855}"/>
-              </a:ext>
-            </a:extLst>
-          </p:cNvPr>
-          <p:cNvCxnSpPr>
-            <a:cxnSpLocks/>
-          </p:cNvCxnSpPr>
-          <p:nvPr/>
-        </p:nvCxnSpPr>
-        <p:spPr>
-          <a:xfrm flipV="1">
-            <a:off x="1820219" y="4800303"/>
-            <a:ext cx="0" cy="152400"/>
-          </a:xfrm>
-          <a:prstGeom prst="line">
-            <a:avLst/>
-          </a:prstGeom>
-          <a:ln w="12700">
-            <a:solidFill>
-              <a:schemeClr val="tx1"/>
-            </a:solidFill>
-            <a:headEnd type="triangle"/>
-          </a:ln>
-        </p:spPr>
-        <p:style>
-          <a:lnRef idx="1">
-            <a:schemeClr val="accent1"/>
-          </a:lnRef>
-          <a:fillRef idx="0">
-            <a:schemeClr val="accent1"/>
-          </a:fillRef>
-          <a:effectRef idx="0">
-            <a:schemeClr val="accent1"/>
-          </a:effectRef>
-          <a:fontRef idx="minor">
-            <a:schemeClr val="tx1"/>
-          </a:fontRef>
-        </p:style>
-      </p:cxnSp>
-      <p:sp>
-        <p:nvSpPr>
-          <p:cNvPr id="110" name="Rectangle 109">
-            <a:extLst>
-              <a:ext uri="{FF2B5EF4-FFF2-40B4-BE49-F238E27FC236}">
-                <a16:creationId xmlns:a16="http://schemas.microsoft.com/office/drawing/2014/main" id="{8A3620BE-B8B7-B994-CEF3-3CEF149227F1}"/>
-              </a:ext>
-            </a:extLst>
-          </p:cNvPr>
-          <p:cNvSpPr/>
-          <p:nvPr/>
-        </p:nvSpPr>
-        <p:spPr>
-          <a:xfrm>
-            <a:off x="5261097" y="3884535"/>
-            <a:ext cx="609600" cy="609600"/>
-          </a:xfrm>
-          <a:prstGeom prst="rect">
-            <a:avLst/>
-          </a:prstGeom>
-          <a:solidFill>
-            <a:srgbClr val="9074B6"/>
-          </a:solidFill>
-          <a:ln w="28575">
-            <a:solidFill>
-              <a:schemeClr val="tx1"/>
-            </a:solidFill>
-          </a:ln>
-        </p:spPr>
-        <p:style>
-          <a:lnRef idx="2">
-            <a:schemeClr val="accent1">
-              <a:shade val="50000"/>
-            </a:schemeClr>
-          </a:lnRef>
-          <a:fillRef idx="1">
-            <a:schemeClr val="accent1"/>
-          </a:fillRef>
-          <a:effectRef idx="0">
-            <a:schemeClr val="accent1"/>
-          </a:effectRef>
-          <a:fontRef idx="minor">
-            <a:schemeClr val="lt1"/>
-          </a:fontRef>
-        </p:style>
-        <p:txBody>
-          <a:bodyPr rtlCol="0" anchor="ctr"/>
-          <a:lstStyle/>
-          <a:p>
             <a:pPr algn="ctr"/>
             <a:r>
-              <a:rPr lang="en-US" dirty="0"/>
-              <a:t>Pot</a:t>
+              <a:rPr lang="en-US" sz="1000" dirty="0">
+                <a:solidFill>
+                  <a:schemeClr val="tx1"/>
+                </a:solidFill>
+              </a:rPr>
+              <a:t>Button</a:t>
             </a:r>
           </a:p>
         </p:txBody>
       </p:sp>
       <p:sp>
         <p:nvSpPr>
-          <p:cNvPr id="111" name="TextBox 110">
+          <p:cNvPr id="16" name="TextBox 15">
             <a:extLst>
               <a:ext uri="{FF2B5EF4-FFF2-40B4-BE49-F238E27FC236}">
-                <a16:creationId xmlns:a16="http://schemas.microsoft.com/office/drawing/2014/main" id="{E17DB475-B950-798F-BF03-B30840EC2E76}"/>
+                <a16:creationId xmlns:a16="http://schemas.microsoft.com/office/drawing/2014/main" id="{375CD897-E32E-53EF-31FC-4DF44B60F076}"/>
               </a:ext>
             </a:extLst>
           </p:cNvPr>
@@ -23578,8 +22277,8 @@
         </p:nvSpPr>
         <p:spPr>
           <a:xfrm>
-            <a:off x="2174525" y="3504903"/>
-            <a:ext cx="710451" cy="369332"/>
+            <a:off x="8534400" y="2014302"/>
+            <a:ext cx="609600" cy="246221"/>
           </a:xfrm>
           <a:prstGeom prst="rect">
             <a:avLst/>
@@ -23587,241 +22286,29 @@
           <a:noFill/>
         </p:spPr>
         <p:txBody>
-          <a:bodyPr wrap="none" rtlCol="0">
+          <a:bodyPr wrap="square">
             <a:spAutoFit/>
           </a:bodyPr>
           <a:lstStyle/>
           <a:p>
+            <a:pPr algn="ctr"/>
             <a:r>
-              <a:rPr lang="en-US" dirty="0"/>
-              <a:t>.375”</a:t>
+              <a:rPr lang="en-US" sz="1000" dirty="0">
+                <a:solidFill>
+                  <a:schemeClr val="tx1"/>
+                </a:solidFill>
+              </a:rPr>
+              <a:t>LED</a:t>
             </a:r>
           </a:p>
         </p:txBody>
       </p:sp>
-      <p:cxnSp>
-        <p:nvCxnSpPr>
-          <p:cNvPr id="112" name="Straight Connector 111">
+      <p:sp>
+        <p:nvSpPr>
+          <p:cNvPr id="17" name="TextBox 16">
             <a:extLst>
               <a:ext uri="{FF2B5EF4-FFF2-40B4-BE49-F238E27FC236}">
-                <a16:creationId xmlns:a16="http://schemas.microsoft.com/office/drawing/2014/main" id="{EB909B99-7DEC-97E2-7FCC-B7CD375988C0}"/>
-              </a:ext>
-            </a:extLst>
-          </p:cNvPr>
-          <p:cNvCxnSpPr>
-            <a:cxnSpLocks/>
-          </p:cNvCxnSpPr>
-          <p:nvPr/>
-        </p:nvCxnSpPr>
-        <p:spPr>
-          <a:xfrm>
-            <a:off x="2112799" y="3886736"/>
-            <a:ext cx="152400" cy="0"/>
-          </a:xfrm>
-          <a:prstGeom prst="line">
-            <a:avLst/>
-          </a:prstGeom>
-          <a:ln w="12700">
-            <a:solidFill>
-              <a:schemeClr val="tx1"/>
-            </a:solidFill>
-          </a:ln>
-        </p:spPr>
-        <p:style>
-          <a:lnRef idx="1">
-            <a:schemeClr val="accent1"/>
-          </a:lnRef>
-          <a:fillRef idx="0">
-            <a:schemeClr val="accent1"/>
-          </a:fillRef>
-          <a:effectRef idx="0">
-            <a:schemeClr val="accent1"/>
-          </a:effectRef>
-          <a:fontRef idx="minor">
-            <a:schemeClr val="tx1"/>
-          </a:fontRef>
-        </p:style>
-      </p:cxnSp>
-      <p:cxnSp>
-        <p:nvCxnSpPr>
-          <p:cNvPr id="113" name="Straight Connector 112">
-            <a:extLst>
-              <a:ext uri="{FF2B5EF4-FFF2-40B4-BE49-F238E27FC236}">
-                <a16:creationId xmlns:a16="http://schemas.microsoft.com/office/drawing/2014/main" id="{5F3CDAD3-29CB-BD6B-998C-AFD2C2DEBF89}"/>
-              </a:ext>
-            </a:extLst>
-          </p:cNvPr>
-          <p:cNvCxnSpPr>
-            <a:cxnSpLocks/>
-          </p:cNvCxnSpPr>
-          <p:nvPr/>
-        </p:nvCxnSpPr>
-        <p:spPr>
-          <a:xfrm>
-            <a:off x="2109569" y="3886736"/>
-            <a:ext cx="152400" cy="0"/>
-          </a:xfrm>
-          <a:prstGeom prst="line">
-            <a:avLst/>
-          </a:prstGeom>
-          <a:ln w="12700">
-            <a:solidFill>
-              <a:schemeClr val="tx1"/>
-            </a:solidFill>
-          </a:ln>
-        </p:spPr>
-        <p:style>
-          <a:lnRef idx="1">
-            <a:schemeClr val="accent1"/>
-          </a:lnRef>
-          <a:fillRef idx="0">
-            <a:schemeClr val="accent1"/>
-          </a:fillRef>
-          <a:effectRef idx="0">
-            <a:schemeClr val="accent1"/>
-          </a:effectRef>
-          <a:fontRef idx="minor">
-            <a:schemeClr val="tx1"/>
-          </a:fontRef>
-        </p:style>
-      </p:cxnSp>
-      <p:cxnSp>
-        <p:nvCxnSpPr>
-          <p:cNvPr id="114" name="Straight Connector 113">
-            <a:extLst>
-              <a:ext uri="{FF2B5EF4-FFF2-40B4-BE49-F238E27FC236}">
-                <a16:creationId xmlns:a16="http://schemas.microsoft.com/office/drawing/2014/main" id="{CCA9C774-46F7-A271-F936-18CBC67965D0}"/>
-              </a:ext>
-            </a:extLst>
-          </p:cNvPr>
-          <p:cNvCxnSpPr>
-            <a:cxnSpLocks/>
-          </p:cNvCxnSpPr>
-          <p:nvPr/>
-        </p:nvCxnSpPr>
-        <p:spPr>
-          <a:xfrm>
-            <a:off x="2112799" y="3886736"/>
-            <a:ext cx="152400" cy="0"/>
-          </a:xfrm>
-          <a:prstGeom prst="line">
-            <a:avLst/>
-          </a:prstGeom>
-          <a:ln w="12700">
-            <a:solidFill>
-              <a:schemeClr val="tx1"/>
-            </a:solidFill>
-          </a:ln>
-        </p:spPr>
-        <p:style>
-          <a:lnRef idx="1">
-            <a:schemeClr val="accent1"/>
-          </a:lnRef>
-          <a:fillRef idx="0">
-            <a:schemeClr val="accent1"/>
-          </a:fillRef>
-          <a:effectRef idx="0">
-            <a:schemeClr val="accent1"/>
-          </a:effectRef>
-          <a:fontRef idx="minor">
-            <a:schemeClr val="tx1"/>
-          </a:fontRef>
-        </p:style>
-      </p:cxnSp>
-      <p:cxnSp>
-        <p:nvCxnSpPr>
-          <p:cNvPr id="115" name="Straight Connector 114">
-            <a:extLst>
-              <a:ext uri="{FF2B5EF4-FFF2-40B4-BE49-F238E27FC236}">
-                <a16:creationId xmlns:a16="http://schemas.microsoft.com/office/drawing/2014/main" id="{1174A5AB-0C81-0558-1C64-6F0B757479A4}"/>
-              </a:ext>
-            </a:extLst>
-          </p:cNvPr>
-          <p:cNvCxnSpPr>
-            <a:cxnSpLocks/>
-          </p:cNvCxnSpPr>
-          <p:nvPr/>
-        </p:nvCxnSpPr>
-        <p:spPr>
-          <a:xfrm>
-            <a:off x="2185769" y="3532325"/>
-            <a:ext cx="0" cy="152400"/>
-          </a:xfrm>
-          <a:prstGeom prst="line">
-            <a:avLst/>
-          </a:prstGeom>
-          <a:ln w="12700">
-            <a:solidFill>
-              <a:schemeClr val="tx1"/>
-            </a:solidFill>
-            <a:headEnd type="triangle"/>
-          </a:ln>
-        </p:spPr>
-        <p:style>
-          <a:lnRef idx="1">
-            <a:schemeClr val="accent1"/>
-          </a:lnRef>
-          <a:fillRef idx="0">
-            <a:schemeClr val="accent1"/>
-          </a:fillRef>
-          <a:effectRef idx="0">
-            <a:schemeClr val="accent1"/>
-          </a:effectRef>
-          <a:fontRef idx="minor">
-            <a:schemeClr val="tx1"/>
-          </a:fontRef>
-        </p:style>
-      </p:cxnSp>
-      <p:cxnSp>
-        <p:nvCxnSpPr>
-          <p:cNvPr id="116" name="Straight Connector 115">
-            <a:extLst>
-              <a:ext uri="{FF2B5EF4-FFF2-40B4-BE49-F238E27FC236}">
-                <a16:creationId xmlns:a16="http://schemas.microsoft.com/office/drawing/2014/main" id="{42EB247B-476E-AC8E-9196-7BC7644040C9}"/>
-              </a:ext>
-            </a:extLst>
-          </p:cNvPr>
-          <p:cNvCxnSpPr>
-            <a:cxnSpLocks/>
-          </p:cNvCxnSpPr>
-          <p:nvPr/>
-        </p:nvCxnSpPr>
-        <p:spPr>
-          <a:xfrm flipV="1">
-            <a:off x="2188999" y="3734336"/>
-            <a:ext cx="0" cy="152400"/>
-          </a:xfrm>
-          <a:prstGeom prst="line">
-            <a:avLst/>
-          </a:prstGeom>
-          <a:ln w="12700">
-            <a:solidFill>
-              <a:schemeClr val="tx1"/>
-            </a:solidFill>
-            <a:headEnd type="triangle"/>
-          </a:ln>
-        </p:spPr>
-        <p:style>
-          <a:lnRef idx="1">
-            <a:schemeClr val="accent1"/>
-          </a:lnRef>
-          <a:fillRef idx="0">
-            <a:schemeClr val="accent1"/>
-          </a:fillRef>
-          <a:effectRef idx="0">
-            <a:schemeClr val="accent1"/>
-          </a:effectRef>
-          <a:fontRef idx="minor">
-            <a:schemeClr val="tx1"/>
-          </a:fontRef>
-        </p:style>
-      </p:cxnSp>
-      <p:sp>
-        <p:nvSpPr>
-          <p:cNvPr id="117" name="TextBox 116">
-            <a:extLst>
-              <a:ext uri="{FF2B5EF4-FFF2-40B4-BE49-F238E27FC236}">
-                <a16:creationId xmlns:a16="http://schemas.microsoft.com/office/drawing/2014/main" id="{5370D58C-68C1-EE87-1557-5CCA6FE96D25}"/>
+                <a16:creationId xmlns:a16="http://schemas.microsoft.com/office/drawing/2014/main" id="{F58FE0D9-1123-CF54-8253-44941BBA2C8F}"/>
               </a:ext>
             </a:extLst>
           </p:cNvPr>
@@ -23830,8 +22317,8 @@
         </p:nvSpPr>
         <p:spPr>
           <a:xfrm>
-            <a:off x="5443896" y="1808074"/>
-            <a:ext cx="453970" cy="369332"/>
+            <a:off x="9113591" y="1755575"/>
+            <a:ext cx="609600" cy="246221"/>
           </a:xfrm>
           <a:prstGeom prst="rect">
             <a:avLst/>
@@ -23839,241 +22326,29 @@
           <a:noFill/>
         </p:spPr>
         <p:txBody>
-          <a:bodyPr wrap="none" rtlCol="0">
+          <a:bodyPr wrap="square">
             <a:spAutoFit/>
           </a:bodyPr>
           <a:lstStyle/>
           <a:p>
+            <a:pPr algn="ctr"/>
             <a:r>
-              <a:rPr lang="en-US" dirty="0"/>
-              <a:t>.5”</a:t>
+              <a:rPr lang="en-US" sz="1000" dirty="0">
+                <a:solidFill>
+                  <a:schemeClr val="tx1"/>
+                </a:solidFill>
+              </a:rPr>
+              <a:t>LED</a:t>
             </a:r>
           </a:p>
         </p:txBody>
       </p:sp>
-      <p:cxnSp>
-        <p:nvCxnSpPr>
-          <p:cNvPr id="118" name="Straight Connector 117">
+      <p:sp>
+        <p:nvSpPr>
+          <p:cNvPr id="18" name="TextBox 17">
             <a:extLst>
               <a:ext uri="{FF2B5EF4-FFF2-40B4-BE49-F238E27FC236}">
-                <a16:creationId xmlns:a16="http://schemas.microsoft.com/office/drawing/2014/main" id="{8C5BCEFE-F8C2-3B38-4F52-0B173322F537}"/>
-              </a:ext>
-            </a:extLst>
-          </p:cNvPr>
-          <p:cNvCxnSpPr>
-            <a:cxnSpLocks/>
-          </p:cNvCxnSpPr>
-          <p:nvPr/>
-        </p:nvCxnSpPr>
-        <p:spPr>
-          <a:xfrm>
-            <a:off x="5355428" y="2226436"/>
-            <a:ext cx="152400" cy="0"/>
-          </a:xfrm>
-          <a:prstGeom prst="line">
-            <a:avLst/>
-          </a:prstGeom>
-          <a:ln w="12700">
-            <a:solidFill>
-              <a:schemeClr val="tx1"/>
-            </a:solidFill>
-          </a:ln>
-        </p:spPr>
-        <p:style>
-          <a:lnRef idx="1">
-            <a:schemeClr val="accent1"/>
-          </a:lnRef>
-          <a:fillRef idx="0">
-            <a:schemeClr val="accent1"/>
-          </a:fillRef>
-          <a:effectRef idx="0">
-            <a:schemeClr val="accent1"/>
-          </a:effectRef>
-          <a:fontRef idx="minor">
-            <a:schemeClr val="tx1"/>
-          </a:fontRef>
-        </p:style>
-      </p:cxnSp>
-      <p:cxnSp>
-        <p:nvCxnSpPr>
-          <p:cNvPr id="119" name="Straight Connector 118">
-            <a:extLst>
-              <a:ext uri="{FF2B5EF4-FFF2-40B4-BE49-F238E27FC236}">
-                <a16:creationId xmlns:a16="http://schemas.microsoft.com/office/drawing/2014/main" id="{9B936DB5-3C2D-499D-C7AF-62EACE3416E4}"/>
-              </a:ext>
-            </a:extLst>
-          </p:cNvPr>
-          <p:cNvCxnSpPr>
-            <a:cxnSpLocks/>
-          </p:cNvCxnSpPr>
-          <p:nvPr/>
-        </p:nvCxnSpPr>
-        <p:spPr>
-          <a:xfrm>
-            <a:off x="5352198" y="2226436"/>
-            <a:ext cx="152400" cy="0"/>
-          </a:xfrm>
-          <a:prstGeom prst="line">
-            <a:avLst/>
-          </a:prstGeom>
-          <a:ln w="12700">
-            <a:solidFill>
-              <a:schemeClr val="tx1"/>
-            </a:solidFill>
-          </a:ln>
-        </p:spPr>
-        <p:style>
-          <a:lnRef idx="1">
-            <a:schemeClr val="accent1"/>
-          </a:lnRef>
-          <a:fillRef idx="0">
-            <a:schemeClr val="accent1"/>
-          </a:fillRef>
-          <a:effectRef idx="0">
-            <a:schemeClr val="accent1"/>
-          </a:effectRef>
-          <a:fontRef idx="minor">
-            <a:schemeClr val="tx1"/>
-          </a:fontRef>
-        </p:style>
-      </p:cxnSp>
-      <p:cxnSp>
-        <p:nvCxnSpPr>
-          <p:cNvPr id="120" name="Straight Connector 119">
-            <a:extLst>
-              <a:ext uri="{FF2B5EF4-FFF2-40B4-BE49-F238E27FC236}">
-                <a16:creationId xmlns:a16="http://schemas.microsoft.com/office/drawing/2014/main" id="{97838A72-AEAB-6CB5-47A5-C2A585247143}"/>
-              </a:ext>
-            </a:extLst>
-          </p:cNvPr>
-          <p:cNvCxnSpPr>
-            <a:cxnSpLocks/>
-          </p:cNvCxnSpPr>
-          <p:nvPr/>
-        </p:nvCxnSpPr>
-        <p:spPr>
-          <a:xfrm>
-            <a:off x="5355428" y="2226436"/>
-            <a:ext cx="152400" cy="0"/>
-          </a:xfrm>
-          <a:prstGeom prst="line">
-            <a:avLst/>
-          </a:prstGeom>
-          <a:ln w="12700">
-            <a:solidFill>
-              <a:schemeClr val="tx1"/>
-            </a:solidFill>
-          </a:ln>
-        </p:spPr>
-        <p:style>
-          <a:lnRef idx="1">
-            <a:schemeClr val="accent1"/>
-          </a:lnRef>
-          <a:fillRef idx="0">
-            <a:schemeClr val="accent1"/>
-          </a:fillRef>
-          <a:effectRef idx="0">
-            <a:schemeClr val="accent1"/>
-          </a:effectRef>
-          <a:fontRef idx="minor">
-            <a:schemeClr val="tx1"/>
-          </a:fontRef>
-        </p:style>
-      </p:cxnSp>
-      <p:cxnSp>
-        <p:nvCxnSpPr>
-          <p:cNvPr id="121" name="Straight Connector 120">
-            <a:extLst>
-              <a:ext uri="{FF2B5EF4-FFF2-40B4-BE49-F238E27FC236}">
-                <a16:creationId xmlns:a16="http://schemas.microsoft.com/office/drawing/2014/main" id="{27D8291B-5575-B41F-9523-727B225E116A}"/>
-              </a:ext>
-            </a:extLst>
-          </p:cNvPr>
-          <p:cNvCxnSpPr>
-            <a:cxnSpLocks/>
-          </p:cNvCxnSpPr>
-          <p:nvPr/>
-        </p:nvCxnSpPr>
-        <p:spPr>
-          <a:xfrm>
-            <a:off x="5428398" y="1769236"/>
-            <a:ext cx="0" cy="152400"/>
-          </a:xfrm>
-          <a:prstGeom prst="line">
-            <a:avLst/>
-          </a:prstGeom>
-          <a:ln w="12700">
-            <a:solidFill>
-              <a:schemeClr val="tx1"/>
-            </a:solidFill>
-            <a:headEnd type="triangle"/>
-          </a:ln>
-        </p:spPr>
-        <p:style>
-          <a:lnRef idx="1">
-            <a:schemeClr val="accent1"/>
-          </a:lnRef>
-          <a:fillRef idx="0">
-            <a:schemeClr val="accent1"/>
-          </a:fillRef>
-          <a:effectRef idx="0">
-            <a:schemeClr val="accent1"/>
-          </a:effectRef>
-          <a:fontRef idx="minor">
-            <a:schemeClr val="tx1"/>
-          </a:fontRef>
-        </p:style>
-      </p:cxnSp>
-      <p:cxnSp>
-        <p:nvCxnSpPr>
-          <p:cNvPr id="122" name="Straight Connector 121">
-            <a:extLst>
-              <a:ext uri="{FF2B5EF4-FFF2-40B4-BE49-F238E27FC236}">
-                <a16:creationId xmlns:a16="http://schemas.microsoft.com/office/drawing/2014/main" id="{F7CB1843-9C1A-948A-1A19-5A1AAF036118}"/>
-              </a:ext>
-            </a:extLst>
-          </p:cNvPr>
-          <p:cNvCxnSpPr>
-            <a:cxnSpLocks/>
-          </p:cNvCxnSpPr>
-          <p:nvPr/>
-        </p:nvCxnSpPr>
-        <p:spPr>
-          <a:xfrm flipV="1">
-            <a:off x="5431628" y="2074036"/>
-            <a:ext cx="0" cy="152400"/>
-          </a:xfrm>
-          <a:prstGeom prst="line">
-            <a:avLst/>
-          </a:prstGeom>
-          <a:ln w="12700">
-            <a:solidFill>
-              <a:schemeClr val="tx1"/>
-            </a:solidFill>
-            <a:headEnd type="triangle"/>
-          </a:ln>
-        </p:spPr>
-        <p:style>
-          <a:lnRef idx="1">
-            <a:schemeClr val="accent1"/>
-          </a:lnRef>
-          <a:fillRef idx="0">
-            <a:schemeClr val="accent1"/>
-          </a:fillRef>
-          <a:effectRef idx="0">
-            <a:schemeClr val="accent1"/>
-          </a:effectRef>
-          <a:fontRef idx="minor">
-            <a:schemeClr val="tx1"/>
-          </a:fontRef>
-        </p:style>
-      </p:cxnSp>
-      <p:sp>
-        <p:nvSpPr>
-          <p:cNvPr id="123" name="TextBox 122">
-            <a:extLst>
-              <a:ext uri="{FF2B5EF4-FFF2-40B4-BE49-F238E27FC236}">
-                <a16:creationId xmlns:a16="http://schemas.microsoft.com/office/drawing/2014/main" id="{B9F9A69B-D1EC-2728-F86F-1725AA65CA0F}"/>
+                <a16:creationId xmlns:a16="http://schemas.microsoft.com/office/drawing/2014/main" id="{EDEA3A5A-24C6-891B-77C8-407EE21E4E8C}"/>
               </a:ext>
             </a:extLst>
           </p:cNvPr>
@@ -24082,8 +22357,8 @@
         </p:nvSpPr>
         <p:spPr>
           <a:xfrm>
-            <a:off x="5476278" y="2275394"/>
-            <a:ext cx="453970" cy="369332"/>
+            <a:off x="9867900" y="1878685"/>
+            <a:ext cx="609600" cy="246221"/>
           </a:xfrm>
           <a:prstGeom prst="rect">
             <a:avLst/>
@@ -24091,241 +22366,29 @@
           <a:noFill/>
         </p:spPr>
         <p:txBody>
-          <a:bodyPr wrap="none" rtlCol="0">
+          <a:bodyPr wrap="square">
             <a:spAutoFit/>
           </a:bodyPr>
           <a:lstStyle/>
           <a:p>
+            <a:pPr algn="ctr"/>
             <a:r>
-              <a:rPr lang="en-US" dirty="0"/>
-              <a:t>.5”</a:t>
+              <a:rPr lang="en-US" sz="1000" dirty="0">
+                <a:solidFill>
+                  <a:schemeClr val="tx1"/>
+                </a:solidFill>
+              </a:rPr>
+              <a:t>LED</a:t>
             </a:r>
           </a:p>
         </p:txBody>
       </p:sp>
-      <p:cxnSp>
-        <p:nvCxnSpPr>
-          <p:cNvPr id="124" name="Straight Connector 123">
+      <p:sp>
+        <p:nvSpPr>
+          <p:cNvPr id="19" name="TextBox 18">
             <a:extLst>
               <a:ext uri="{FF2B5EF4-FFF2-40B4-BE49-F238E27FC236}">
-                <a16:creationId xmlns:a16="http://schemas.microsoft.com/office/drawing/2014/main" id="{C35DCF19-B35A-64B8-EADC-91D9D9D54BDA}"/>
-              </a:ext>
-            </a:extLst>
-          </p:cNvPr>
-          <p:cNvCxnSpPr>
-            <a:cxnSpLocks/>
-          </p:cNvCxnSpPr>
-          <p:nvPr/>
-        </p:nvCxnSpPr>
-        <p:spPr>
-          <a:xfrm>
-            <a:off x="5361977" y="2675448"/>
-            <a:ext cx="152400" cy="0"/>
-          </a:xfrm>
-          <a:prstGeom prst="line">
-            <a:avLst/>
-          </a:prstGeom>
-          <a:ln w="12700">
-            <a:solidFill>
-              <a:schemeClr val="tx1"/>
-            </a:solidFill>
-          </a:ln>
-        </p:spPr>
-        <p:style>
-          <a:lnRef idx="1">
-            <a:schemeClr val="accent1"/>
-          </a:lnRef>
-          <a:fillRef idx="0">
-            <a:schemeClr val="accent1"/>
-          </a:fillRef>
-          <a:effectRef idx="0">
-            <a:schemeClr val="accent1"/>
-          </a:effectRef>
-          <a:fontRef idx="minor">
-            <a:schemeClr val="tx1"/>
-          </a:fontRef>
-        </p:style>
-      </p:cxnSp>
-      <p:cxnSp>
-        <p:nvCxnSpPr>
-          <p:cNvPr id="125" name="Straight Connector 124">
-            <a:extLst>
-              <a:ext uri="{FF2B5EF4-FFF2-40B4-BE49-F238E27FC236}">
-                <a16:creationId xmlns:a16="http://schemas.microsoft.com/office/drawing/2014/main" id="{5691C8A4-8FD0-9504-144A-FF1360143051}"/>
-              </a:ext>
-            </a:extLst>
-          </p:cNvPr>
-          <p:cNvCxnSpPr>
-            <a:cxnSpLocks/>
-          </p:cNvCxnSpPr>
-          <p:nvPr/>
-        </p:nvCxnSpPr>
-        <p:spPr>
-          <a:xfrm>
-            <a:off x="5358747" y="2675448"/>
-            <a:ext cx="152400" cy="0"/>
-          </a:xfrm>
-          <a:prstGeom prst="line">
-            <a:avLst/>
-          </a:prstGeom>
-          <a:ln w="12700">
-            <a:solidFill>
-              <a:schemeClr val="tx1"/>
-            </a:solidFill>
-          </a:ln>
-        </p:spPr>
-        <p:style>
-          <a:lnRef idx="1">
-            <a:schemeClr val="accent1"/>
-          </a:lnRef>
-          <a:fillRef idx="0">
-            <a:schemeClr val="accent1"/>
-          </a:fillRef>
-          <a:effectRef idx="0">
-            <a:schemeClr val="accent1"/>
-          </a:effectRef>
-          <a:fontRef idx="minor">
-            <a:schemeClr val="tx1"/>
-          </a:fontRef>
-        </p:style>
-      </p:cxnSp>
-      <p:cxnSp>
-        <p:nvCxnSpPr>
-          <p:cNvPr id="126" name="Straight Connector 125">
-            <a:extLst>
-              <a:ext uri="{FF2B5EF4-FFF2-40B4-BE49-F238E27FC236}">
-                <a16:creationId xmlns:a16="http://schemas.microsoft.com/office/drawing/2014/main" id="{C77E11D1-F12A-2771-45DE-0440D4DA0E29}"/>
-              </a:ext>
-            </a:extLst>
-          </p:cNvPr>
-          <p:cNvCxnSpPr>
-            <a:cxnSpLocks/>
-          </p:cNvCxnSpPr>
-          <p:nvPr/>
-        </p:nvCxnSpPr>
-        <p:spPr>
-          <a:xfrm>
-            <a:off x="5361977" y="2675448"/>
-            <a:ext cx="152400" cy="0"/>
-          </a:xfrm>
-          <a:prstGeom prst="line">
-            <a:avLst/>
-          </a:prstGeom>
-          <a:ln w="12700">
-            <a:solidFill>
-              <a:schemeClr val="tx1"/>
-            </a:solidFill>
-          </a:ln>
-        </p:spPr>
-        <p:style>
-          <a:lnRef idx="1">
-            <a:schemeClr val="accent1"/>
-          </a:lnRef>
-          <a:fillRef idx="0">
-            <a:schemeClr val="accent1"/>
-          </a:fillRef>
-          <a:effectRef idx="0">
-            <a:schemeClr val="accent1"/>
-          </a:effectRef>
-          <a:fontRef idx="minor">
-            <a:schemeClr val="tx1"/>
-          </a:fontRef>
-        </p:style>
-      </p:cxnSp>
-      <p:cxnSp>
-        <p:nvCxnSpPr>
-          <p:cNvPr id="127" name="Straight Connector 126">
-            <a:extLst>
-              <a:ext uri="{FF2B5EF4-FFF2-40B4-BE49-F238E27FC236}">
-                <a16:creationId xmlns:a16="http://schemas.microsoft.com/office/drawing/2014/main" id="{E3641856-9491-C572-3939-F49A86F9D430}"/>
-              </a:ext>
-            </a:extLst>
-          </p:cNvPr>
-          <p:cNvCxnSpPr>
-            <a:cxnSpLocks/>
-          </p:cNvCxnSpPr>
-          <p:nvPr/>
-        </p:nvCxnSpPr>
-        <p:spPr>
-          <a:xfrm>
-            <a:off x="5434947" y="2218248"/>
-            <a:ext cx="0" cy="152400"/>
-          </a:xfrm>
-          <a:prstGeom prst="line">
-            <a:avLst/>
-          </a:prstGeom>
-          <a:ln w="12700">
-            <a:solidFill>
-              <a:schemeClr val="tx1"/>
-            </a:solidFill>
-            <a:headEnd type="triangle"/>
-          </a:ln>
-        </p:spPr>
-        <p:style>
-          <a:lnRef idx="1">
-            <a:schemeClr val="accent1"/>
-          </a:lnRef>
-          <a:fillRef idx="0">
-            <a:schemeClr val="accent1"/>
-          </a:fillRef>
-          <a:effectRef idx="0">
-            <a:schemeClr val="accent1"/>
-          </a:effectRef>
-          <a:fontRef idx="minor">
-            <a:schemeClr val="tx1"/>
-          </a:fontRef>
-        </p:style>
-      </p:cxnSp>
-      <p:cxnSp>
-        <p:nvCxnSpPr>
-          <p:cNvPr id="128" name="Straight Connector 127">
-            <a:extLst>
-              <a:ext uri="{FF2B5EF4-FFF2-40B4-BE49-F238E27FC236}">
-                <a16:creationId xmlns:a16="http://schemas.microsoft.com/office/drawing/2014/main" id="{619553AD-1550-2D66-8DD0-85232FF5E708}"/>
-              </a:ext>
-            </a:extLst>
-          </p:cNvPr>
-          <p:cNvCxnSpPr>
-            <a:cxnSpLocks/>
-          </p:cNvCxnSpPr>
-          <p:nvPr/>
-        </p:nvCxnSpPr>
-        <p:spPr>
-          <a:xfrm flipV="1">
-            <a:off x="5438177" y="2523048"/>
-            <a:ext cx="0" cy="152400"/>
-          </a:xfrm>
-          <a:prstGeom prst="line">
-            <a:avLst/>
-          </a:prstGeom>
-          <a:ln w="12700">
-            <a:solidFill>
-              <a:schemeClr val="tx1"/>
-            </a:solidFill>
-            <a:headEnd type="triangle"/>
-          </a:ln>
-        </p:spPr>
-        <p:style>
-          <a:lnRef idx="1">
-            <a:schemeClr val="accent1"/>
-          </a:lnRef>
-          <a:fillRef idx="0">
-            <a:schemeClr val="accent1"/>
-          </a:fillRef>
-          <a:effectRef idx="0">
-            <a:schemeClr val="accent1"/>
-          </a:effectRef>
-          <a:fontRef idx="minor">
-            <a:schemeClr val="tx1"/>
-          </a:fontRef>
-        </p:style>
-      </p:cxnSp>
-      <p:sp>
-        <p:nvSpPr>
-          <p:cNvPr id="129" name="TextBox 128">
-            <a:extLst>
-              <a:ext uri="{FF2B5EF4-FFF2-40B4-BE49-F238E27FC236}">
-                <a16:creationId xmlns:a16="http://schemas.microsoft.com/office/drawing/2014/main" id="{A7BB0D13-001E-E7A3-7920-657BEE9E46A4}"/>
+                <a16:creationId xmlns:a16="http://schemas.microsoft.com/office/drawing/2014/main" id="{E08159E3-96CD-D6D4-088A-E3CF579130AE}"/>
               </a:ext>
             </a:extLst>
           </p:cNvPr>
@@ -24334,8 +22397,8 @@
         </p:nvSpPr>
         <p:spPr>
           <a:xfrm>
-            <a:off x="1472814" y="3515203"/>
-            <a:ext cx="582211" cy="369332"/>
+            <a:off x="4448720" y="2235913"/>
+            <a:ext cx="2295525" cy="492443"/>
           </a:xfrm>
           <a:prstGeom prst="rect">
             <a:avLst/>
@@ -24343,200 +22406,41 @@
           <a:noFill/>
         </p:spPr>
         <p:txBody>
-          <a:bodyPr wrap="none" rtlCol="0">
+          <a:bodyPr wrap="square">
             <a:spAutoFit/>
           </a:bodyPr>
           <a:lstStyle/>
           <a:p>
+            <a:pPr algn="ctr"/>
             <a:r>
-              <a:rPr lang="en-US" dirty="0"/>
-              <a:t>.25”</a:t>
+              <a:rPr lang="en-US" sz="1300" dirty="0">
+                <a:solidFill>
+                  <a:schemeClr val="tx1"/>
+                </a:solidFill>
+              </a:rPr>
+              <a:t>USB </a:t>
             </a:r>
+          </a:p>
+          <a:p>
+            <a:pPr algn="ctr"/>
+            <a:r>
+              <a:rPr lang="en-US" sz="1300" dirty="0"/>
+              <a:t>Host</a:t>
+            </a:r>
+            <a:endParaRPr lang="en-US" sz="1300" dirty="0">
+              <a:solidFill>
+                <a:schemeClr val="tx1"/>
+              </a:solidFill>
+            </a:endParaRPr>
           </a:p>
         </p:txBody>
       </p:sp>
-      <p:cxnSp>
-        <p:nvCxnSpPr>
-          <p:cNvPr id="130" name="Straight Connector 129">
+      <p:sp>
+        <p:nvSpPr>
+          <p:cNvPr id="20" name="TextBox 19">
             <a:extLst>
               <a:ext uri="{FF2B5EF4-FFF2-40B4-BE49-F238E27FC236}">
-                <a16:creationId xmlns:a16="http://schemas.microsoft.com/office/drawing/2014/main" id="{CC2DE1CF-1FDC-55B7-0206-F40C43277CA1}"/>
-              </a:ext>
-            </a:extLst>
-          </p:cNvPr>
-          <p:cNvCxnSpPr>
-            <a:cxnSpLocks/>
-          </p:cNvCxnSpPr>
-          <p:nvPr/>
-        </p:nvCxnSpPr>
-        <p:spPr>
-          <a:xfrm flipH="1">
-            <a:off x="1600200" y="3532325"/>
-            <a:ext cx="171129" cy="0"/>
-          </a:xfrm>
-          <a:prstGeom prst="line">
-            <a:avLst/>
-          </a:prstGeom>
-          <a:ln w="12700">
-            <a:solidFill>
-              <a:schemeClr val="tx1"/>
-            </a:solidFill>
-            <a:headEnd type="triangle"/>
-          </a:ln>
-        </p:spPr>
-        <p:style>
-          <a:lnRef idx="1">
-            <a:schemeClr val="accent1"/>
-          </a:lnRef>
-          <a:fillRef idx="0">
-            <a:schemeClr val="accent1"/>
-          </a:fillRef>
-          <a:effectRef idx="0">
-            <a:schemeClr val="accent1"/>
-          </a:effectRef>
-          <a:fontRef idx="minor">
-            <a:schemeClr val="tx1"/>
-          </a:fontRef>
-        </p:style>
-      </p:cxnSp>
-      <p:cxnSp>
-        <p:nvCxnSpPr>
-          <p:cNvPr id="133" name="Straight Connector 132">
-            <a:extLst>
-              <a:ext uri="{FF2B5EF4-FFF2-40B4-BE49-F238E27FC236}">
-                <a16:creationId xmlns:a16="http://schemas.microsoft.com/office/drawing/2014/main" id="{D15673E7-D7EF-733F-4D0F-DCE2447AFBB1}"/>
-              </a:ext>
-            </a:extLst>
-          </p:cNvPr>
-          <p:cNvCxnSpPr>
-            <a:cxnSpLocks/>
-          </p:cNvCxnSpPr>
-          <p:nvPr/>
-        </p:nvCxnSpPr>
-        <p:spPr>
-          <a:xfrm>
-            <a:off x="1520958" y="3532325"/>
-            <a:ext cx="155817" cy="0"/>
-          </a:xfrm>
-          <a:prstGeom prst="line">
-            <a:avLst/>
-          </a:prstGeom>
-          <a:ln w="12700">
-            <a:solidFill>
-              <a:schemeClr val="tx1"/>
-            </a:solidFill>
-            <a:headEnd type="triangle"/>
-          </a:ln>
-        </p:spPr>
-        <p:style>
-          <a:lnRef idx="1">
-            <a:schemeClr val="accent1"/>
-          </a:lnRef>
-          <a:fillRef idx="0">
-            <a:schemeClr val="accent1"/>
-          </a:fillRef>
-          <a:effectRef idx="0">
-            <a:schemeClr val="accent1"/>
-          </a:effectRef>
-          <a:fontRef idx="minor">
-            <a:schemeClr val="tx1"/>
-          </a:fontRef>
-        </p:style>
-      </p:cxnSp>
-      <p:cxnSp>
-        <p:nvCxnSpPr>
-          <p:cNvPr id="137" name="Straight Connector 136">
-            <a:extLst>
-              <a:ext uri="{FF2B5EF4-FFF2-40B4-BE49-F238E27FC236}">
-                <a16:creationId xmlns:a16="http://schemas.microsoft.com/office/drawing/2014/main" id="{68ADAD21-CF76-3184-5070-87538000D7EF}"/>
-              </a:ext>
-            </a:extLst>
-          </p:cNvPr>
-          <p:cNvCxnSpPr>
-            <a:cxnSpLocks/>
-          </p:cNvCxnSpPr>
-          <p:nvPr/>
-        </p:nvCxnSpPr>
-        <p:spPr>
-          <a:xfrm flipH="1">
-            <a:off x="2840518" y="4276388"/>
-            <a:ext cx="266004" cy="0"/>
-          </a:xfrm>
-          <a:prstGeom prst="line">
-            <a:avLst/>
-          </a:prstGeom>
-          <a:ln w="12700">
-            <a:solidFill>
-              <a:schemeClr val="tx1"/>
-            </a:solidFill>
-            <a:headEnd type="triangle"/>
-          </a:ln>
-        </p:spPr>
-        <p:style>
-          <a:lnRef idx="1">
-            <a:schemeClr val="accent1"/>
-          </a:lnRef>
-          <a:fillRef idx="0">
-            <a:schemeClr val="accent1"/>
-          </a:fillRef>
-          <a:effectRef idx="0">
-            <a:schemeClr val="accent1"/>
-          </a:effectRef>
-          <a:fontRef idx="minor">
-            <a:schemeClr val="tx1"/>
-          </a:fontRef>
-        </p:style>
-      </p:cxnSp>
-      <p:cxnSp>
-        <p:nvCxnSpPr>
-          <p:cNvPr id="138" name="Straight Connector 137">
-            <a:extLst>
-              <a:ext uri="{FF2B5EF4-FFF2-40B4-BE49-F238E27FC236}">
-                <a16:creationId xmlns:a16="http://schemas.microsoft.com/office/drawing/2014/main" id="{96BCB3C3-35AC-5F4B-3E36-A253877022A0}"/>
-              </a:ext>
-            </a:extLst>
-          </p:cNvPr>
-          <p:cNvCxnSpPr>
-            <a:cxnSpLocks/>
-          </p:cNvCxnSpPr>
-          <p:nvPr/>
-        </p:nvCxnSpPr>
-        <p:spPr>
-          <a:xfrm>
-            <a:off x="2387721" y="4276388"/>
-            <a:ext cx="241179" cy="0"/>
-          </a:xfrm>
-          <a:prstGeom prst="line">
-            <a:avLst/>
-          </a:prstGeom>
-          <a:ln w="12700">
-            <a:solidFill>
-              <a:schemeClr val="tx1"/>
-            </a:solidFill>
-            <a:headEnd type="triangle"/>
-          </a:ln>
-        </p:spPr>
-        <p:style>
-          <a:lnRef idx="1">
-            <a:schemeClr val="accent1"/>
-          </a:lnRef>
-          <a:fillRef idx="0">
-            <a:schemeClr val="accent1"/>
-          </a:fillRef>
-          <a:effectRef idx="0">
-            <a:schemeClr val="accent1"/>
-          </a:effectRef>
-          <a:fontRef idx="minor">
-            <a:schemeClr val="tx1"/>
-          </a:fontRef>
-        </p:style>
-      </p:cxnSp>
-      <p:sp>
-        <p:nvSpPr>
-          <p:cNvPr id="141" name="TextBox 140">
-            <a:extLst>
-              <a:ext uri="{FF2B5EF4-FFF2-40B4-BE49-F238E27FC236}">
-                <a16:creationId xmlns:a16="http://schemas.microsoft.com/office/drawing/2014/main" id="{3687C19A-9D2C-9094-E596-1D0CF7949D8F}"/>
+                <a16:creationId xmlns:a16="http://schemas.microsoft.com/office/drawing/2014/main" id="{63E0E419-7B61-3215-5F1C-28C6ADF25498}"/>
               </a:ext>
             </a:extLst>
           </p:cNvPr>
@@ -24545,8 +22449,8 @@
         </p:nvSpPr>
         <p:spPr>
           <a:xfrm>
-            <a:off x="2460964" y="3930489"/>
-            <a:ext cx="582211" cy="369332"/>
+            <a:off x="2658565" y="5822283"/>
+            <a:ext cx="2295525" cy="369332"/>
           </a:xfrm>
           <a:prstGeom prst="rect">
             <a:avLst/>
@@ -24554,112 +22458,29 @@
           <a:noFill/>
         </p:spPr>
         <p:txBody>
-          <a:bodyPr wrap="none" rtlCol="0">
+          <a:bodyPr wrap="square">
             <a:spAutoFit/>
           </a:bodyPr>
           <a:lstStyle/>
           <a:p>
+            <a:pPr algn="ctr"/>
             <a:r>
-              <a:rPr lang="en-US" dirty="0"/>
-              <a:t>.75”</a:t>
+              <a:rPr lang="en-US" b="1" dirty="0">
+                <a:solidFill>
+                  <a:schemeClr val="tx1"/>
+                </a:solidFill>
+              </a:rPr>
+              <a:t>FRONT</a:t>
             </a:r>
           </a:p>
         </p:txBody>
       </p:sp>
-      <p:cxnSp>
-        <p:nvCxnSpPr>
-          <p:cNvPr id="142" name="Straight Connector 141">
+      <p:sp>
+        <p:nvSpPr>
+          <p:cNvPr id="22" name="TextBox 21">
             <a:extLst>
               <a:ext uri="{FF2B5EF4-FFF2-40B4-BE49-F238E27FC236}">
-                <a16:creationId xmlns:a16="http://schemas.microsoft.com/office/drawing/2014/main" id="{BD645635-28BD-96B2-C8CE-7B86646ADECF}"/>
-              </a:ext>
-            </a:extLst>
-          </p:cNvPr>
-          <p:cNvCxnSpPr>
-            <a:cxnSpLocks/>
-          </p:cNvCxnSpPr>
-          <p:nvPr/>
-        </p:nvCxnSpPr>
-        <p:spPr>
-          <a:xfrm flipH="1">
-            <a:off x="4993208" y="4338410"/>
-            <a:ext cx="266004" cy="0"/>
-          </a:xfrm>
-          <a:prstGeom prst="line">
-            <a:avLst/>
-          </a:prstGeom>
-          <a:ln w="12700">
-            <a:solidFill>
-              <a:schemeClr val="tx1"/>
-            </a:solidFill>
-            <a:headEnd type="triangle"/>
-          </a:ln>
-        </p:spPr>
-        <p:style>
-          <a:lnRef idx="1">
-            <a:schemeClr val="accent1"/>
-          </a:lnRef>
-          <a:fillRef idx="0">
-            <a:schemeClr val="accent1"/>
-          </a:fillRef>
-          <a:effectRef idx="0">
-            <a:schemeClr val="accent1"/>
-          </a:effectRef>
-          <a:fontRef idx="minor">
-            <a:schemeClr val="tx1"/>
-          </a:fontRef>
-        </p:style>
-      </p:cxnSp>
-      <p:cxnSp>
-        <p:nvCxnSpPr>
-          <p:cNvPr id="143" name="Straight Connector 142">
-            <a:extLst>
-              <a:ext uri="{FF2B5EF4-FFF2-40B4-BE49-F238E27FC236}">
-                <a16:creationId xmlns:a16="http://schemas.microsoft.com/office/drawing/2014/main" id="{45B48B9B-2FD4-E253-1909-C7403088D0C3}"/>
-              </a:ext>
-            </a:extLst>
-          </p:cNvPr>
-          <p:cNvCxnSpPr>
-            <a:cxnSpLocks/>
-          </p:cNvCxnSpPr>
-          <p:nvPr/>
-        </p:nvCxnSpPr>
-        <p:spPr>
-          <a:xfrm>
-            <a:off x="4564160" y="4338410"/>
-            <a:ext cx="241179" cy="0"/>
-          </a:xfrm>
-          <a:prstGeom prst="line">
-            <a:avLst/>
-          </a:prstGeom>
-          <a:ln w="12700">
-            <a:solidFill>
-              <a:schemeClr val="tx1"/>
-            </a:solidFill>
-            <a:headEnd type="triangle"/>
-          </a:ln>
-        </p:spPr>
-        <p:style>
-          <a:lnRef idx="1">
-            <a:schemeClr val="accent1"/>
-          </a:lnRef>
-          <a:fillRef idx="0">
-            <a:schemeClr val="accent1"/>
-          </a:fillRef>
-          <a:effectRef idx="0">
-            <a:schemeClr val="accent1"/>
-          </a:effectRef>
-          <a:fontRef idx="minor">
-            <a:schemeClr val="tx1"/>
-          </a:fontRef>
-        </p:style>
-      </p:cxnSp>
-      <p:sp>
-        <p:nvSpPr>
-          <p:cNvPr id="144" name="TextBox 143">
-            <a:extLst>
-              <a:ext uri="{FF2B5EF4-FFF2-40B4-BE49-F238E27FC236}">
-                <a16:creationId xmlns:a16="http://schemas.microsoft.com/office/drawing/2014/main" id="{43F6BF46-32D2-1509-FC0D-34A70AC1572A}"/>
+                <a16:creationId xmlns:a16="http://schemas.microsoft.com/office/drawing/2014/main" id="{AE6DD59F-AA97-7C4D-3B15-B99A351B2791}"/>
               </a:ext>
             </a:extLst>
           </p:cNvPr>
@@ -24668,8 +22489,8 @@
         </p:nvSpPr>
         <p:spPr>
           <a:xfrm>
-            <a:off x="4626576" y="3984071"/>
-            <a:ext cx="582211" cy="369332"/>
+            <a:off x="7691437" y="5790168"/>
+            <a:ext cx="2295525" cy="369332"/>
           </a:xfrm>
           <a:prstGeom prst="rect">
             <a:avLst/>
@@ -24677,169 +22498,29 @@
           <a:noFill/>
         </p:spPr>
         <p:txBody>
-          <a:bodyPr wrap="none" rtlCol="0">
+          <a:bodyPr wrap="square">
             <a:spAutoFit/>
           </a:bodyPr>
           <a:lstStyle/>
           <a:p>
+            <a:pPr algn="ctr"/>
             <a:r>
-              <a:rPr lang="en-US" dirty="0"/>
-              <a:t>.75”</a:t>
+              <a:rPr lang="en-US" b="1" dirty="0">
+                <a:solidFill>
+                  <a:schemeClr val="tx1"/>
+                </a:solidFill>
+              </a:rPr>
+              <a:t>BACK</a:t>
             </a:r>
           </a:p>
         </p:txBody>
       </p:sp>
       <p:sp>
         <p:nvSpPr>
-          <p:cNvPr id="145" name="Rectangle 144">
+          <p:cNvPr id="23" name="TextBox 22">
             <a:extLst>
               <a:ext uri="{FF2B5EF4-FFF2-40B4-BE49-F238E27FC236}">
-                <a16:creationId xmlns:a16="http://schemas.microsoft.com/office/drawing/2014/main" id="{806115A9-76CC-A128-8E6F-FA645956EF29}"/>
-              </a:ext>
-            </a:extLst>
-          </p:cNvPr>
-          <p:cNvSpPr/>
-          <p:nvPr/>
-        </p:nvSpPr>
-        <p:spPr>
-          <a:xfrm>
-            <a:off x="4129113" y="4061504"/>
-            <a:ext cx="429768" cy="429768"/>
-          </a:xfrm>
-          <a:prstGeom prst="rect">
-            <a:avLst/>
-          </a:prstGeom>
-          <a:solidFill>
-            <a:srgbClr val="9074B6"/>
-          </a:solidFill>
-          <a:ln w="28575">
-            <a:solidFill>
-              <a:schemeClr val="tx1"/>
-            </a:solidFill>
-          </a:ln>
-        </p:spPr>
-        <p:style>
-          <a:lnRef idx="2">
-            <a:schemeClr val="accent1">
-              <a:shade val="50000"/>
-            </a:schemeClr>
-          </a:lnRef>
-          <a:fillRef idx="1">
-            <a:schemeClr val="accent1"/>
-          </a:fillRef>
-          <a:effectRef idx="0">
-            <a:schemeClr val="accent1"/>
-          </a:effectRef>
-          <a:fontRef idx="minor">
-            <a:schemeClr val="lt1"/>
-          </a:fontRef>
-        </p:style>
-        <p:txBody>
-          <a:bodyPr rtlCol="0" anchor="ctr"/>
-          <a:lstStyle/>
-          <a:p>
-            <a:pPr algn="ctr"/>
-            <a:r>
-              <a:rPr lang="en-US" sz="600" dirty="0"/>
-              <a:t>Button</a:t>
-            </a:r>
-          </a:p>
-        </p:txBody>
-      </p:sp>
-      <p:cxnSp>
-        <p:nvCxnSpPr>
-          <p:cNvPr id="146" name="Straight Connector 145">
-            <a:extLst>
-              <a:ext uri="{FF2B5EF4-FFF2-40B4-BE49-F238E27FC236}">
-                <a16:creationId xmlns:a16="http://schemas.microsoft.com/office/drawing/2014/main" id="{938F2828-C77B-312E-A3E1-EDBCC27C34DA}"/>
-              </a:ext>
-            </a:extLst>
-          </p:cNvPr>
-          <p:cNvCxnSpPr>
-            <a:cxnSpLocks/>
-          </p:cNvCxnSpPr>
-          <p:nvPr/>
-        </p:nvCxnSpPr>
-        <p:spPr>
-          <a:xfrm flipH="1">
-            <a:off x="11167056" y="3127771"/>
-            <a:ext cx="266004" cy="0"/>
-          </a:xfrm>
-          <a:prstGeom prst="line">
-            <a:avLst/>
-          </a:prstGeom>
-          <a:ln w="12700">
-            <a:solidFill>
-              <a:schemeClr val="tx1"/>
-            </a:solidFill>
-            <a:headEnd type="triangle"/>
-          </a:ln>
-        </p:spPr>
-        <p:style>
-          <a:lnRef idx="1">
-            <a:schemeClr val="accent1"/>
-          </a:lnRef>
-          <a:fillRef idx="0">
-            <a:schemeClr val="accent1"/>
-          </a:fillRef>
-          <a:effectRef idx="0">
-            <a:schemeClr val="accent1"/>
-          </a:effectRef>
-          <a:fontRef idx="minor">
-            <a:schemeClr val="tx1"/>
-          </a:fontRef>
-        </p:style>
-      </p:cxnSp>
-      <p:cxnSp>
-        <p:nvCxnSpPr>
-          <p:cNvPr id="147" name="Straight Connector 146">
-            <a:extLst>
-              <a:ext uri="{FF2B5EF4-FFF2-40B4-BE49-F238E27FC236}">
-                <a16:creationId xmlns:a16="http://schemas.microsoft.com/office/drawing/2014/main" id="{416A6F14-AFE6-3516-9AC6-DCE6A8990E3F}"/>
-              </a:ext>
-            </a:extLst>
-          </p:cNvPr>
-          <p:cNvCxnSpPr>
-            <a:cxnSpLocks/>
-          </p:cNvCxnSpPr>
-          <p:nvPr/>
-        </p:nvCxnSpPr>
-        <p:spPr>
-          <a:xfrm>
-            <a:off x="10798041" y="3127771"/>
-            <a:ext cx="241179" cy="0"/>
-          </a:xfrm>
-          <a:prstGeom prst="line">
-            <a:avLst/>
-          </a:prstGeom>
-          <a:ln w="12700">
-            <a:solidFill>
-              <a:schemeClr val="tx1"/>
-            </a:solidFill>
-            <a:headEnd type="triangle"/>
-          </a:ln>
-        </p:spPr>
-        <p:style>
-          <a:lnRef idx="1">
-            <a:schemeClr val="accent1"/>
-          </a:lnRef>
-          <a:fillRef idx="0">
-            <a:schemeClr val="accent1"/>
-          </a:fillRef>
-          <a:effectRef idx="0">
-            <a:schemeClr val="accent1"/>
-          </a:effectRef>
-          <a:fontRef idx="minor">
-            <a:schemeClr val="tx1"/>
-          </a:fontRef>
-        </p:style>
-      </p:cxnSp>
-      <p:sp>
-        <p:nvSpPr>
-          <p:cNvPr id="148" name="TextBox 147">
-            <a:extLst>
-              <a:ext uri="{FF2B5EF4-FFF2-40B4-BE49-F238E27FC236}">
-                <a16:creationId xmlns:a16="http://schemas.microsoft.com/office/drawing/2014/main" id="{F7EA0D1C-E644-92EB-7735-2182C29A91B5}"/>
+                <a16:creationId xmlns:a16="http://schemas.microsoft.com/office/drawing/2014/main" id="{B28603D0-6B32-3D39-7BF7-560F1324723D}"/>
               </a:ext>
             </a:extLst>
           </p:cNvPr>
@@ -24848,8 +22529,8 @@
         </p:nvSpPr>
         <p:spPr>
           <a:xfrm>
-            <a:off x="10800424" y="2773432"/>
-            <a:ext cx="582211" cy="369332"/>
+            <a:off x="353253" y="766526"/>
+            <a:ext cx="2295525" cy="369332"/>
           </a:xfrm>
           <a:prstGeom prst="rect">
             <a:avLst/>
@@ -24857,14 +22538,19 @@
           <a:noFill/>
         </p:spPr>
         <p:txBody>
-          <a:bodyPr wrap="none" rtlCol="0">
+          <a:bodyPr wrap="square">
             <a:spAutoFit/>
           </a:bodyPr>
           <a:lstStyle/>
           <a:p>
+            <a:pPr algn="ctr"/>
             <a:r>
-              <a:rPr lang="en-US" dirty="0"/>
-              <a:t>.75”</a:t>
+              <a:rPr lang="en-US" dirty="0">
+                <a:solidFill>
+                  <a:schemeClr val="tx1"/>
+                </a:solidFill>
+              </a:rPr>
+              <a:t>Units: inches</a:t>
             </a:r>
           </a:p>
         </p:txBody>
@@ -24872,7 +22558,7 @@
     </p:spTree>
     <p:extLst>
       <p:ext uri="{BB962C8B-B14F-4D97-AF65-F5344CB8AC3E}">
-        <p14:creationId xmlns:p14="http://schemas.microsoft.com/office/powerpoint/2010/main" val="2035144677"/>
+        <p14:creationId xmlns:p14="http://schemas.microsoft.com/office/powerpoint/2010/main" val="1815802957"/>
       </p:ext>
     </p:extLst>
   </p:cSld>
